--- a/project-presentation-template.pptx
+++ b/project-presentation-template.pptx
@@ -5,21 +5,22 @@
     <p:sldMasterId id="2147483672" r:id="rId1"/>
   </p:sldMasterIdLst>
   <p:notesMasterIdLst>
-    <p:notesMasterId r:id="rId11"/>
+    <p:notesMasterId r:id="rId12"/>
   </p:notesMasterIdLst>
   <p:handoutMasterIdLst>
-    <p:handoutMasterId r:id="rId12"/>
+    <p:handoutMasterId r:id="rId13"/>
   </p:handoutMasterIdLst>
   <p:sldIdLst>
     <p:sldId id="328" r:id="rId2"/>
     <p:sldId id="329" r:id="rId3"/>
     <p:sldId id="330" r:id="rId4"/>
     <p:sldId id="331" r:id="rId5"/>
-    <p:sldId id="332" r:id="rId6"/>
-    <p:sldId id="333" r:id="rId7"/>
-    <p:sldId id="334" r:id="rId8"/>
-    <p:sldId id="335" r:id="rId9"/>
-    <p:sldId id="336" r:id="rId10"/>
+    <p:sldId id="337" r:id="rId6"/>
+    <p:sldId id="332" r:id="rId7"/>
+    <p:sldId id="333" r:id="rId8"/>
+    <p:sldId id="334" r:id="rId9"/>
+    <p:sldId id="335" r:id="rId10"/>
+    <p:sldId id="336" r:id="rId11"/>
   </p:sldIdLst>
   <p:sldSz cx="9144000" cy="6858000" type="screen4x3"/>
   <p:notesSz cx="6858000" cy="9144000"/>
@@ -234,7 +235,7 @@
             <a:fld id="{877130AC-1169-47BD-87F5-AFD9E79DDC3D}" type="datetimeFigureOut">
               <a:rPr lang="en-US" smtClean="0"/>
               <a:pPr/>
-              <a:t>11/17/2016</a:t>
+              <a:t>11/25/16</a:t>
             </a:fld>
             <a:endParaRPr lang="en-US"/>
           </a:p>
@@ -401,7 +402,7 @@
             <a:fld id="{16D3C603-3B65-4AB7-82D6-2288B2E2AD50}" type="datetimeFigureOut">
               <a:rPr lang="en-US" smtClean="0"/>
               <a:pPr/>
-              <a:t>11/17/2016</a:t>
+              <a:t>11/25/16</a:t>
             </a:fld>
             <a:endParaRPr lang="en-US"/>
           </a:p>
@@ -2691,15 +2692,16 @@
         </p:spPr>
         <p:txBody>
           <a:bodyPr>
-            <a:normAutofit lnSpcReduction="10000"/>
+            <a:normAutofit fontScale="92500" lnSpcReduction="10000"/>
           </a:bodyPr>
           <a:lstStyle/>
           <a:p>
             <a:pPr lvl="0" algn="ctr"/>
             <a:r>
-              <a:rPr lang="en-US" cap="none" dirty="0"/>
+              <a:rPr lang="en-US" cap="none" dirty="0" smtClean="0"/>
               <a:t>&lt;Project Title&gt;</a:t>
             </a:r>
+            <a:endParaRPr lang="en-US" cap="none" dirty="0"/>
           </a:p>
           <a:p>
             <a:pPr lvl="0" algn="ctr"/>
@@ -2711,9 +2713,37 @@
           <a:p>
             <a:pPr lvl="0" algn="ctr"/>
             <a:r>
-              <a:rPr lang="en-US" cap="none" dirty="0"/>
-              <a:t>&lt;Name(s) of the Group Member(s)&gt;</a:t>
-            </a:r>
+              <a:rPr lang="en-US" cap="none" dirty="0" smtClean="0"/>
+              <a:t>Sami Ahmad Khan, A20352677</a:t>
+            </a:r>
+          </a:p>
+          <a:p>
+            <a:pPr lvl="0" algn="ctr"/>
+            <a:r>
+              <a:rPr lang="en-US" cap="none" dirty="0" err="1" smtClean="0"/>
+              <a:t>Zeeshan</a:t>
+            </a:r>
+            <a:r>
+              <a:rPr lang="en-US" cap="none" dirty="0" smtClean="0"/>
+              <a:t> </a:t>
+            </a:r>
+            <a:r>
+              <a:rPr lang="en-US" cap="none" dirty="0" err="1" smtClean="0"/>
+              <a:t>Aamir</a:t>
+            </a:r>
+            <a:r>
+              <a:rPr lang="en-US" cap="none" dirty="0" smtClean="0"/>
+              <a:t> </a:t>
+            </a:r>
+            <a:r>
+              <a:rPr lang="en-US" cap="none" dirty="0" err="1" smtClean="0"/>
+              <a:t>Khavas</a:t>
+            </a:r>
+            <a:r>
+              <a:rPr lang="en-US" cap="none" dirty="0" smtClean="0"/>
+              <a:t>, A20341778</a:t>
+            </a:r>
+            <a:endParaRPr lang="en-US" cap="none" dirty="0"/>
           </a:p>
         </p:txBody>
       </p:sp>
@@ -2721,6 +2751,113 @@
     <p:extLst>
       <p:ext uri="{BB962C8B-B14F-4D97-AF65-F5344CB8AC3E}">
         <p14:creationId xmlns:p14="http://schemas.microsoft.com/office/powerpoint/2010/main" val="151244168"/>
+      </p:ext>
+    </p:extLst>
+  </p:cSld>
+  <p:clrMapOvr>
+    <a:masterClrMapping/>
+  </p:clrMapOvr>
+</p:sld>
+</file>
+
+<file path=ppt/slides/slide10.xml><?xml version="1.0" encoding="utf-8"?>
+<p:sld xmlns:a="http://schemas.openxmlformats.org/drawingml/2006/main" xmlns:r="http://schemas.openxmlformats.org/officeDocument/2006/relationships" xmlns:p="http://schemas.openxmlformats.org/presentationml/2006/main">
+  <p:cSld>
+    <p:spTree>
+      <p:nvGrpSpPr>
+        <p:cNvPr id="1" name=""/>
+        <p:cNvGrpSpPr/>
+        <p:nvPr/>
+      </p:nvGrpSpPr>
+      <p:grpSpPr>
+        <a:xfrm>
+          <a:off x="0" y="0"/>
+          <a:ext cx="0" cy="0"/>
+          <a:chOff x="0" y="0"/>
+          <a:chExt cx="0" cy="0"/>
+        </a:xfrm>
+      </p:grpSpPr>
+      <p:sp>
+        <p:nvSpPr>
+          <p:cNvPr id="2" name="Title 1"/>
+          <p:cNvSpPr>
+            <a:spLocks noGrp="1"/>
+          </p:cNvSpPr>
+          <p:nvPr>
+            <p:ph type="title"/>
+          </p:nvPr>
+        </p:nvSpPr>
+        <p:spPr/>
+        <p:txBody>
+          <a:bodyPr/>
+          <a:lstStyle/>
+          <a:p>
+            <a:r>
+              <a:rPr lang="en-US" dirty="0"/>
+              <a:t>Interesting/unexpected cases</a:t>
+            </a:r>
+          </a:p>
+        </p:txBody>
+      </p:sp>
+      <p:sp>
+        <p:nvSpPr>
+          <p:cNvPr id="3" name="Content Placeholder 2"/>
+          <p:cNvSpPr>
+            <a:spLocks noGrp="1"/>
+          </p:cNvSpPr>
+          <p:nvPr>
+            <p:ph sz="quarter" idx="1"/>
+          </p:nvPr>
+        </p:nvSpPr>
+        <p:spPr/>
+        <p:txBody>
+          <a:bodyPr>
+            <a:normAutofit lnSpcReduction="10000"/>
+          </a:bodyPr>
+          <a:lstStyle/>
+          <a:p>
+            <a:r>
+              <a:rPr lang="en-US" dirty="0"/>
+              <a:t>&lt;Discuss a few interesting cases. Use extra slides if needed. Use images if needed. Here is an example.&gt;</a:t>
+            </a:r>
+          </a:p>
+          <a:p>
+            <a:r>
+              <a:rPr lang="en-US" dirty="0"/>
+              <a:t>Here is a user who tweeted “…”. The user is definitely a Republican, as you can see from the tweet, but my model classified the user as Democrat. The reason is that my model used bag-of-words model and did not take linguistic features into account, because the user used terms that mostly Democrats use, but used in a negative way…</a:t>
+            </a:r>
+          </a:p>
+        </p:txBody>
+      </p:sp>
+      <p:sp>
+        <p:nvSpPr>
+          <p:cNvPr id="4" name="Slide Number Placeholder 3"/>
+          <p:cNvSpPr>
+            <a:spLocks noGrp="1"/>
+          </p:cNvSpPr>
+          <p:nvPr>
+            <p:ph type="sldNum" sz="quarter" idx="15"/>
+          </p:nvPr>
+        </p:nvSpPr>
+        <p:spPr/>
+        <p:txBody>
+          <a:bodyPr/>
+          <a:lstStyle/>
+          <a:p>
+            <a:pPr algn="ctr" eaLnBrk="1" latinLnBrk="0" hangingPunct="1"/>
+            <a:fld id="{2BBB5E19-F10A-4C2F-BF6F-11C513378A2E}" type="slidenum">
+              <a:rPr kumimoji="0" lang="en-US" smtClean="0"/>
+              <a:pPr algn="ctr" eaLnBrk="1" latinLnBrk="0" hangingPunct="1"/>
+              <a:t>10</a:t>
+            </a:fld>
+            <a:endParaRPr kumimoji="0" lang="en-US"/>
+          </a:p>
+        </p:txBody>
+      </p:sp>
+    </p:spTree>
+    <p:extLst>
+      <p:ext uri="{BB962C8B-B14F-4D97-AF65-F5344CB8AC3E}">
+        <p14:creationId xmlns:p14="http://schemas.microsoft.com/office/powerpoint/2010/main" val="3053513882"/>
       </p:ext>
     </p:extLst>
   </p:cSld>
@@ -2781,18 +2918,24 @@
         </p:nvSpPr>
         <p:spPr/>
         <p:txBody>
-          <a:bodyPr/>
-          <a:lstStyle/>
+          <a:bodyPr>
+            <a:normAutofit/>
+          </a:bodyPr>
+          <a:lstStyle/>
+          <a:p>
+            <a:r>
+              <a:rPr lang="en-US" dirty="0" smtClean="0"/>
+              <a:t>Given a dataset of reported incidents of crimes that occurred in the city of Chicago in the year 2016, we classify the districts as “Safe” and “Unsafe”. </a:t>
+            </a:r>
+          </a:p>
           <a:p>
             <a:r>
               <a:rPr lang="en-US" dirty="0"/>
-              <a:t>&lt;Here, describe what the task is in a few bullets. Here is an example&gt;</a:t>
-            </a:r>
-          </a:p>
-          <a:p>
-            <a:r>
-              <a:rPr lang="en-US" dirty="0"/>
-              <a:t>Given Twitter timelines of the Twitter users, predict whether they are expected to vote Republican or Democrat. This is useful because if we have a such model, we can use it to predict the result of the election in each state.</a:t>
+              <a:t>P</a:t>
+            </a:r>
+            <a:r>
+              <a:rPr lang="en-US" dirty="0" smtClean="0"/>
+              <a:t>redict the safety of a particular district at a given time based on prediction model.</a:t>
             </a:r>
           </a:p>
         </p:txBody>
@@ -2886,39 +3029,73 @@
         </p:nvSpPr>
         <p:spPr/>
         <p:txBody>
-          <a:bodyPr/>
-          <a:lstStyle/>
-          <a:p>
+          <a:bodyPr>
+            <a:normAutofit fontScale="85000" lnSpcReduction="10000"/>
+          </a:bodyPr>
+          <a:lstStyle/>
+          <a:p>
+            <a:r>
+              <a:rPr lang="en-US" dirty="0" smtClean="0"/>
+              <a:t>The raw dataset was collected from “City of Chicago” data portal.</a:t>
+            </a:r>
+          </a:p>
+          <a:p>
+            <a:r>
+              <a:rPr lang="en-US" dirty="0" smtClean="0"/>
+              <a:t>The original dataset contained millions of records for the year 2016. This was reduced to a size of 11,670 records by randomly choosing ~1000 entries from each month.</a:t>
+            </a:r>
+          </a:p>
+          <a:p>
+            <a:r>
+              <a:rPr lang="en-US" dirty="0" smtClean="0"/>
+              <a:t>From the dataset we selected few features for the prediction model. Then manually added weightage to each crime on the basis of crime severity. </a:t>
+            </a:r>
+          </a:p>
+          <a:p>
+            <a:r>
+              <a:rPr lang="en-US" dirty="0" smtClean="0"/>
+              <a:t>We created Target Labels on the basis of severity of crimes i.e. ‘Primary type’ and ‘Arrest’ and manually labelled them as </a:t>
+            </a:r>
+            <a:r>
+              <a:rPr lang="en-US" dirty="0" smtClean="0"/>
+              <a:t>‘</a:t>
+            </a:r>
+            <a:r>
+              <a:rPr lang="en-US" dirty="0" smtClean="0"/>
+              <a:t>0’ for Safe and </a:t>
+            </a:r>
+            <a:r>
+              <a:rPr lang="en-US" dirty="0" smtClean="0"/>
+              <a:t>‘</a:t>
+            </a:r>
+            <a:r>
+              <a:rPr lang="en-US" dirty="0" smtClean="0"/>
+              <a:t>1’ for Unsafe.</a:t>
+            </a:r>
+            <a:endParaRPr lang="en-US" dirty="0"/>
+          </a:p>
+          <a:p>
+            <a:r>
+              <a:rPr lang="en-US" dirty="0" smtClean="0"/>
+              <a:t>So</a:t>
+            </a:r>
             <a:r>
               <a:rPr lang="en-US" dirty="0"/>
-              <a:t>&lt;Describe the dataset. Here is an example&gt;</a:t>
-            </a:r>
-          </a:p>
-          <a:p>
+              <a:t>, our dataset has </a:t>
+            </a:r>
+            <a:r>
+              <a:rPr lang="en-US" dirty="0" smtClean="0"/>
+              <a:t>11,670 rows, </a:t>
+            </a:r>
             <a:r>
               <a:rPr lang="en-US" dirty="0"/>
-              <a:t>We chose 1000 Twitter users at random, collected their tweets, and manually labeled the users as Democrat or Republican based on their tweets</a:t>
-            </a:r>
-          </a:p>
-          <a:p>
-            <a:r>
-              <a:rPr lang="en-US" dirty="0"/>
-              <a:t>We processed the Tweets through </a:t>
-            </a:r>
-            <a:r>
-              <a:rPr lang="en-US" dirty="0" err="1"/>
-              <a:t>TfidfVectorizer</a:t>
-            </a:r>
-            <a:r>
-              <a:rPr lang="en-US" dirty="0"/>
-              <a:t>, which gave us a vocabulary  of size 20,000</a:t>
-            </a:r>
-          </a:p>
-          <a:p>
-            <a:r>
-              <a:rPr lang="en-US" dirty="0"/>
-              <a:t>So, our dataset has 1000 rows and 20,000 columns</a:t>
-            </a:r>
+              <a:t>5</a:t>
+            </a:r>
+            <a:r>
+              <a:rPr lang="en-US" dirty="0" smtClean="0"/>
+              <a:t> columns and 1 Label column.</a:t>
+            </a:r>
+            <a:endParaRPr lang="en-US" dirty="0"/>
           </a:p>
         </p:txBody>
       </p:sp>
@@ -3011,12 +3188,14 @@
         </p:nvSpPr>
         <p:spPr/>
         <p:txBody>
-          <a:bodyPr/>
-          <a:lstStyle/>
-          <a:p>
-            <a:r>
-              <a:rPr lang="en-US" dirty="0"/>
-              <a:t>&lt;Here, give stats about the class and visualize it. You can use the image from your data exploration phase.&gt;</a:t>
+          <a:bodyPr>
+            <a:normAutofit/>
+          </a:bodyPr>
+          <a:lstStyle/>
+          <a:p>
+            <a:r>
+              <a:rPr lang="en-US" dirty="0" smtClean="0"/>
+              <a:t>This is the Histogram for the target class depicting 0s and 1s for Safe and Unsafe respectively for all the districts. </a:t>
             </a:r>
           </a:p>
         </p:txBody>
@@ -3046,6 +3225,30 @@
           </a:p>
         </p:txBody>
       </p:sp>
+      <p:pic>
+        <p:nvPicPr>
+          <p:cNvPr id="7" name="Picture 6"/>
+          <p:cNvPicPr>
+            <a:picLocks noChangeAspect="1"/>
+          </p:cNvPicPr>
+          <p:nvPr/>
+        </p:nvPicPr>
+        <p:blipFill>
+          <a:blip r:embed="rId2"/>
+          <a:stretch>
+            <a:fillRect/>
+          </a:stretch>
+        </p:blipFill>
+        <p:spPr>
+          <a:xfrm>
+            <a:off x="1371600" y="2973511"/>
+            <a:ext cx="5226050" cy="3554096"/>
+          </a:xfrm>
+          <a:prstGeom prst="rect">
+            <a:avLst/>
+          </a:prstGeom>
+        </p:spPr>
+      </p:pic>
     </p:spTree>
     <p:extLst>
       <p:ext uri="{BB962C8B-B14F-4D97-AF65-F5344CB8AC3E}">
@@ -3093,7 +3296,7 @@
           <a:p>
             <a:r>
               <a:rPr lang="en-US" dirty="0"/>
-              <a:t>Visualization of one feature</a:t>
+              <a:t>Visualization of the Class</a:t>
             </a:r>
           </a:p>
         </p:txBody>
@@ -3110,16 +3313,15 @@
         </p:nvSpPr>
         <p:spPr/>
         <p:txBody>
-          <a:bodyPr/>
-          <a:lstStyle/>
-          <a:p>
-            <a:r>
-              <a:rPr lang="en-US" dirty="0"/>
-              <a:t>&lt;Here, give stats about one feature and visualize it. You can use the image from your data exploration phase&gt;</a:t>
-            </a:r>
-          </a:p>
-          <a:p>
-            <a:endParaRPr lang="en-US" dirty="0"/>
+          <a:bodyPr>
+            <a:normAutofit/>
+          </a:bodyPr>
+          <a:lstStyle/>
+          <a:p>
+            <a:r>
+              <a:rPr lang="en-US" dirty="0" smtClean="0"/>
+              <a:t>This Histogram depicts average Safe and Unsafe values per District.</a:t>
+            </a:r>
           </a:p>
         </p:txBody>
       </p:sp>
@@ -3148,10 +3350,34 @@
           </a:p>
         </p:txBody>
       </p:sp>
+      <p:pic>
+        <p:nvPicPr>
+          <p:cNvPr id="7" name="Picture 6"/>
+          <p:cNvPicPr>
+            <a:picLocks noChangeAspect="1"/>
+          </p:cNvPicPr>
+          <p:nvPr/>
+        </p:nvPicPr>
+        <p:blipFill>
+          <a:blip r:embed="rId2"/>
+          <a:stretch>
+            <a:fillRect/>
+          </a:stretch>
+        </p:blipFill>
+        <p:spPr>
+          <a:xfrm>
+            <a:off x="1612900" y="2637014"/>
+            <a:ext cx="5156200" cy="3836938"/>
+          </a:xfrm>
+          <a:prstGeom prst="rect">
+            <a:avLst/>
+          </a:prstGeom>
+        </p:spPr>
+      </p:pic>
     </p:spTree>
     <p:extLst>
       <p:ext uri="{BB962C8B-B14F-4D97-AF65-F5344CB8AC3E}">
-        <p14:creationId xmlns:p14="http://schemas.microsoft.com/office/powerpoint/2010/main" val="3089106281"/>
+        <p14:creationId xmlns:p14="http://schemas.microsoft.com/office/powerpoint/2010/main" val="1542252678"/>
       </p:ext>
     </p:extLst>
   </p:cSld>
@@ -3195,7 +3421,7 @@
           <a:p>
             <a:r>
               <a:rPr lang="en-US" dirty="0"/>
-              <a:t>Model Selection Results</a:t>
+              <a:t>Visualization of one feature</a:t>
             </a:r>
           </a:p>
         </p:txBody>
@@ -3216,27 +3442,10 @@
           <a:lstStyle/>
           <a:p>
             <a:r>
-              <a:rPr lang="en-US" dirty="0"/>
-              <a:t>&lt;Describe the measure and present results for various models and parameters. Here is an example&gt;</a:t>
-            </a:r>
-          </a:p>
-          <a:p>
-            <a:r>
-              <a:rPr lang="en-US" dirty="0"/>
-              <a:t>We used accuracy because …</a:t>
-            </a:r>
-          </a:p>
-          <a:p>
-            <a:r>
-              <a:rPr lang="en-US" dirty="0"/>
-              <a:t>We performed 10-fold cross validation</a:t>
-            </a:r>
-          </a:p>
-          <a:p>
-            <a:r>
-              <a:rPr lang="en-US" dirty="0"/>
-              <a:t>Results are one the next slide</a:t>
-            </a:r>
+              <a:rPr lang="en-US" dirty="0" smtClean="0"/>
+              <a:t>Below we can see a histogram for Danger Value associated with each District in Chicago. This Danger Value is used to calculate the target.</a:t>
+            </a:r>
+            <a:endParaRPr lang="en-US" dirty="0"/>
           </a:p>
           <a:p>
             <a:endParaRPr lang="en-US" dirty="0"/>
@@ -3263,6 +3472,150 @@
               <a:rPr kumimoji="0" lang="en-US" smtClean="0"/>
               <a:pPr algn="ctr" eaLnBrk="1" latinLnBrk="0" hangingPunct="1"/>
               <a:t>6</a:t>
+            </a:fld>
+            <a:endParaRPr kumimoji="0" lang="en-US"/>
+          </a:p>
+        </p:txBody>
+      </p:sp>
+      <p:pic>
+        <p:nvPicPr>
+          <p:cNvPr id="5" name="Picture 4"/>
+          <p:cNvPicPr>
+            <a:picLocks noChangeAspect="1"/>
+          </p:cNvPicPr>
+          <p:nvPr/>
+        </p:nvPicPr>
+        <p:blipFill>
+          <a:blip r:embed="rId2"/>
+          <a:stretch>
+            <a:fillRect/>
+          </a:stretch>
+        </p:blipFill>
+        <p:spPr>
+          <a:xfrm>
+            <a:off x="1518600" y="3200400"/>
+            <a:ext cx="4806000" cy="3377967"/>
+          </a:xfrm>
+          <a:prstGeom prst="rect">
+            <a:avLst/>
+          </a:prstGeom>
+        </p:spPr>
+      </p:pic>
+    </p:spTree>
+    <p:extLst>
+      <p:ext uri="{BB962C8B-B14F-4D97-AF65-F5344CB8AC3E}">
+        <p14:creationId xmlns:p14="http://schemas.microsoft.com/office/powerpoint/2010/main" val="3089106281"/>
+      </p:ext>
+    </p:extLst>
+  </p:cSld>
+  <p:clrMapOvr>
+    <a:masterClrMapping/>
+  </p:clrMapOvr>
+</p:sld>
+</file>
+
+<file path=ppt/slides/slide7.xml><?xml version="1.0" encoding="utf-8"?>
+<p:sld xmlns:a="http://schemas.openxmlformats.org/drawingml/2006/main" xmlns:r="http://schemas.openxmlformats.org/officeDocument/2006/relationships" xmlns:p="http://schemas.openxmlformats.org/presentationml/2006/main">
+  <p:cSld>
+    <p:spTree>
+      <p:nvGrpSpPr>
+        <p:cNvPr id="1" name=""/>
+        <p:cNvGrpSpPr/>
+        <p:nvPr/>
+      </p:nvGrpSpPr>
+      <p:grpSpPr>
+        <a:xfrm>
+          <a:off x="0" y="0"/>
+          <a:ext cx="0" cy="0"/>
+          <a:chOff x="0" y="0"/>
+          <a:chExt cx="0" cy="0"/>
+        </a:xfrm>
+      </p:grpSpPr>
+      <p:sp>
+        <p:nvSpPr>
+          <p:cNvPr id="2" name="Title 1"/>
+          <p:cNvSpPr>
+            <a:spLocks noGrp="1"/>
+          </p:cNvSpPr>
+          <p:nvPr>
+            <p:ph type="title"/>
+          </p:nvPr>
+        </p:nvSpPr>
+        <p:spPr/>
+        <p:txBody>
+          <a:bodyPr/>
+          <a:lstStyle/>
+          <a:p>
+            <a:r>
+              <a:rPr lang="en-US" dirty="0"/>
+              <a:t>Model Selection Results</a:t>
+            </a:r>
+          </a:p>
+        </p:txBody>
+      </p:sp>
+      <p:sp>
+        <p:nvSpPr>
+          <p:cNvPr id="3" name="Content Placeholder 2"/>
+          <p:cNvSpPr>
+            <a:spLocks noGrp="1"/>
+          </p:cNvSpPr>
+          <p:nvPr>
+            <p:ph sz="quarter" idx="1"/>
+          </p:nvPr>
+        </p:nvSpPr>
+        <p:spPr/>
+        <p:txBody>
+          <a:bodyPr/>
+          <a:lstStyle/>
+          <a:p>
+            <a:r>
+              <a:rPr lang="en-US" dirty="0"/>
+              <a:t>&lt;Describe the measure and present results for various models and parameters. Here is an example&gt;</a:t>
+            </a:r>
+          </a:p>
+          <a:p>
+            <a:r>
+              <a:rPr lang="en-US" dirty="0"/>
+              <a:t>We used accuracy because …</a:t>
+            </a:r>
+          </a:p>
+          <a:p>
+            <a:r>
+              <a:rPr lang="en-US" dirty="0"/>
+              <a:t>We performed 10-fold cross validation</a:t>
+            </a:r>
+          </a:p>
+          <a:p>
+            <a:r>
+              <a:rPr lang="en-US" dirty="0"/>
+              <a:t>Results are one the next slide</a:t>
+            </a:r>
+          </a:p>
+          <a:p>
+            <a:endParaRPr lang="en-US" dirty="0"/>
+          </a:p>
+        </p:txBody>
+      </p:sp>
+      <p:sp>
+        <p:nvSpPr>
+          <p:cNvPr id="4" name="Slide Number Placeholder 3"/>
+          <p:cNvSpPr>
+            <a:spLocks noGrp="1"/>
+          </p:cNvSpPr>
+          <p:nvPr>
+            <p:ph type="sldNum" sz="quarter" idx="15"/>
+          </p:nvPr>
+        </p:nvSpPr>
+        <p:spPr/>
+        <p:txBody>
+          <a:bodyPr/>
+          <a:lstStyle/>
+          <a:p>
+            <a:pPr algn="ctr" eaLnBrk="1" latinLnBrk="0" hangingPunct="1"/>
+            <a:fld id="{2BBB5E19-F10A-4C2F-BF6F-11C513378A2E}" type="slidenum">
+              <a:rPr kumimoji="0" lang="en-US" smtClean="0"/>
+              <a:pPr algn="ctr" eaLnBrk="1" latinLnBrk="0" hangingPunct="1"/>
+              <a:t>7</a:t>
             </a:fld>
             <a:endParaRPr kumimoji="0" lang="en-US"/>
           </a:p>
@@ -3281,7 +3634,7 @@
 </p:sld>
 </file>
 
-<file path=ppt/slides/slide7.xml><?xml version="1.0" encoding="utf-8"?>
+<file path=ppt/slides/slide8.xml><?xml version="1.0" encoding="utf-8"?>
 <p:sld xmlns:a="http://schemas.openxmlformats.org/drawingml/2006/main" xmlns:r="http://schemas.openxmlformats.org/officeDocument/2006/relationships" xmlns:p="http://schemas.openxmlformats.org/presentationml/2006/main">
   <p:cSld>
     <p:spTree>
@@ -3349,21 +3702,21 @@
                 <a:gridCol w="2489200">
                   <a:extLst>
                     <a:ext uri="{9D8B030D-6E8A-4147-A177-3AD203B41FA5}">
-                      <a16:colId xmlns:a16="http://schemas.microsoft.com/office/drawing/2014/main" val="3030602544"/>
+                      <a16:colId xmlns="" xmlns:a16="http://schemas.microsoft.com/office/drawing/2014/main" val="3030602544"/>
                     </a:ext>
                   </a:extLst>
                 </a:gridCol>
                 <a:gridCol w="2489200">
                   <a:extLst>
                     <a:ext uri="{9D8B030D-6E8A-4147-A177-3AD203B41FA5}">
-                      <a16:colId xmlns:a16="http://schemas.microsoft.com/office/drawing/2014/main" val="2590406836"/>
+                      <a16:colId xmlns="" xmlns:a16="http://schemas.microsoft.com/office/drawing/2014/main" val="2590406836"/>
                     </a:ext>
                   </a:extLst>
                 </a:gridCol>
                 <a:gridCol w="2489200">
                   <a:extLst>
                     <a:ext uri="{9D8B030D-6E8A-4147-A177-3AD203B41FA5}">
-                      <a16:colId xmlns:a16="http://schemas.microsoft.com/office/drawing/2014/main" val="2422119549"/>
+                      <a16:colId xmlns="" xmlns:a16="http://schemas.microsoft.com/office/drawing/2014/main" val="2422119549"/>
                     </a:ext>
                   </a:extLst>
                 </a:gridCol>
@@ -3410,7 +3763,7 @@
                 </a:tc>
                 <a:extLst>
                   <a:ext uri="{0D108BD9-81ED-4DB2-BD59-A6C34878D82A}">
-                    <a16:rowId xmlns:a16="http://schemas.microsoft.com/office/drawing/2014/main" val="87940141"/>
+                    <a16:rowId xmlns="" xmlns:a16="http://schemas.microsoft.com/office/drawing/2014/main" val="87940141"/>
                   </a:ext>
                 </a:extLst>
               </a:tr>
@@ -3461,7 +3814,7 @@
                 </a:tc>
                 <a:extLst>
                   <a:ext uri="{0D108BD9-81ED-4DB2-BD59-A6C34878D82A}">
-                    <a16:rowId xmlns:a16="http://schemas.microsoft.com/office/drawing/2014/main" val="2082379726"/>
+                    <a16:rowId xmlns="" xmlns:a16="http://schemas.microsoft.com/office/drawing/2014/main" val="2082379726"/>
                   </a:ext>
                 </a:extLst>
               </a:tr>
@@ -3504,7 +3857,7 @@
                 </a:tc>
                 <a:extLst>
                   <a:ext uri="{0D108BD9-81ED-4DB2-BD59-A6C34878D82A}">
-                    <a16:rowId xmlns:a16="http://schemas.microsoft.com/office/drawing/2014/main" val="2507870546"/>
+                    <a16:rowId xmlns="" xmlns:a16="http://schemas.microsoft.com/office/drawing/2014/main" val="2507870546"/>
                   </a:ext>
                 </a:extLst>
               </a:tr>
@@ -3555,7 +3908,7 @@
                 </a:tc>
                 <a:extLst>
                   <a:ext uri="{0D108BD9-81ED-4DB2-BD59-A6C34878D82A}">
-                    <a16:rowId xmlns:a16="http://schemas.microsoft.com/office/drawing/2014/main" val="3516908593"/>
+                    <a16:rowId xmlns="" xmlns:a16="http://schemas.microsoft.com/office/drawing/2014/main" val="3516908593"/>
                   </a:ext>
                 </a:extLst>
               </a:tr>
@@ -3620,7 +3973,7 @@
                 </a:tc>
                 <a:extLst>
                   <a:ext uri="{0D108BD9-81ED-4DB2-BD59-A6C34878D82A}">
-                    <a16:rowId xmlns:a16="http://schemas.microsoft.com/office/drawing/2014/main" val="2199381540"/>
+                    <a16:rowId xmlns="" xmlns:a16="http://schemas.microsoft.com/office/drawing/2014/main" val="2199381540"/>
                   </a:ext>
                 </a:extLst>
               </a:tr>
@@ -3663,7 +4016,7 @@
                 </a:tc>
                 <a:extLst>
                   <a:ext uri="{0D108BD9-81ED-4DB2-BD59-A6C34878D82A}">
-                    <a16:rowId xmlns:a16="http://schemas.microsoft.com/office/drawing/2014/main" val="1016044518"/>
+                    <a16:rowId xmlns="" xmlns:a16="http://schemas.microsoft.com/office/drawing/2014/main" val="1016044518"/>
                   </a:ext>
                 </a:extLst>
               </a:tr>
@@ -3711,7 +4064,7 @@
                 </a:tc>
                 <a:extLst>
                   <a:ext uri="{0D108BD9-81ED-4DB2-BD59-A6C34878D82A}">
-                    <a16:rowId xmlns:a16="http://schemas.microsoft.com/office/drawing/2014/main" val="3637674884"/>
+                    <a16:rowId xmlns="" xmlns:a16="http://schemas.microsoft.com/office/drawing/2014/main" val="3637674884"/>
                   </a:ext>
                 </a:extLst>
               </a:tr>
@@ -3754,7 +4107,7 @@
                 </a:tc>
                 <a:extLst>
                   <a:ext uri="{0D108BD9-81ED-4DB2-BD59-A6C34878D82A}">
-                    <a16:rowId xmlns:a16="http://schemas.microsoft.com/office/drawing/2014/main" val="3742295242"/>
+                    <a16:rowId xmlns="" xmlns:a16="http://schemas.microsoft.com/office/drawing/2014/main" val="3742295242"/>
                   </a:ext>
                 </a:extLst>
               </a:tr>
@@ -3800,7 +4153,7 @@
                 </a:tc>
                 <a:extLst>
                   <a:ext uri="{0D108BD9-81ED-4DB2-BD59-A6C34878D82A}">
-                    <a16:rowId xmlns:a16="http://schemas.microsoft.com/office/drawing/2014/main" val="2386637827"/>
+                    <a16:rowId xmlns="" xmlns:a16="http://schemas.microsoft.com/office/drawing/2014/main" val="2386637827"/>
                   </a:ext>
                 </a:extLst>
               </a:tr>
@@ -3843,7 +4196,7 @@
                 </a:tc>
                 <a:extLst>
                   <a:ext uri="{0D108BD9-81ED-4DB2-BD59-A6C34878D82A}">
-                    <a16:rowId xmlns:a16="http://schemas.microsoft.com/office/drawing/2014/main" val="2337513982"/>
+                    <a16:rowId xmlns="" xmlns:a16="http://schemas.microsoft.com/office/drawing/2014/main" val="2337513982"/>
                   </a:ext>
                 </a:extLst>
               </a:tr>
@@ -3889,7 +4242,7 @@
                 </a:tc>
                 <a:extLst>
                   <a:ext uri="{0D108BD9-81ED-4DB2-BD59-A6C34878D82A}">
-                    <a16:rowId xmlns:a16="http://schemas.microsoft.com/office/drawing/2014/main" val="219461074"/>
+                    <a16:rowId xmlns="" xmlns:a16="http://schemas.microsoft.com/office/drawing/2014/main" val="219461074"/>
                   </a:ext>
                 </a:extLst>
               </a:tr>
@@ -3916,7 +4269,7 @@
             <a:fld id="{2BBB5E19-F10A-4C2F-BF6F-11C513378A2E}" type="slidenum">
               <a:rPr kumimoji="0" lang="en-US" smtClean="0"/>
               <a:pPr algn="ctr" eaLnBrk="1" latinLnBrk="0" hangingPunct="1"/>
-              <a:t>7</a:t>
+              <a:t>8</a:t>
             </a:fld>
             <a:endParaRPr kumimoji="0" lang="en-US"/>
           </a:p>
@@ -3984,139 +4337,6 @@
     <p:extLst>
       <p:ext uri="{BB962C8B-B14F-4D97-AF65-F5344CB8AC3E}">
         <p14:creationId xmlns:p14="http://schemas.microsoft.com/office/powerpoint/2010/main" val="2685895030"/>
-      </p:ext>
-    </p:extLst>
-  </p:cSld>
-  <p:clrMapOvr>
-    <a:masterClrMapping/>
-  </p:clrMapOvr>
-</p:sld>
-</file>
-
-<file path=ppt/slides/slide8.xml><?xml version="1.0" encoding="utf-8"?>
-<p:sld xmlns:a="http://schemas.openxmlformats.org/drawingml/2006/main" xmlns:r="http://schemas.openxmlformats.org/officeDocument/2006/relationships" xmlns:p="http://schemas.openxmlformats.org/presentationml/2006/main">
-  <p:cSld>
-    <p:spTree>
-      <p:nvGrpSpPr>
-        <p:cNvPr id="1" name=""/>
-        <p:cNvGrpSpPr/>
-        <p:nvPr/>
-      </p:nvGrpSpPr>
-      <p:grpSpPr>
-        <a:xfrm>
-          <a:off x="0" y="0"/>
-          <a:ext cx="0" cy="0"/>
-          <a:chOff x="0" y="0"/>
-          <a:chExt cx="0" cy="0"/>
-        </a:xfrm>
-      </p:grpSpPr>
-      <p:sp>
-        <p:nvSpPr>
-          <p:cNvPr id="2" name="Title 1"/>
-          <p:cNvSpPr>
-            <a:spLocks noGrp="1"/>
-          </p:cNvSpPr>
-          <p:nvPr>
-            <p:ph type="title"/>
-          </p:nvPr>
-        </p:nvSpPr>
-        <p:spPr/>
-        <p:txBody>
-          <a:bodyPr/>
-          <a:lstStyle/>
-          <a:p>
-            <a:r>
-              <a:rPr lang="en-US" dirty="0"/>
-              <a:t>Top Features</a:t>
-            </a:r>
-          </a:p>
-        </p:txBody>
-      </p:sp>
-      <p:sp>
-        <p:nvSpPr>
-          <p:cNvPr id="3" name="Content Placeholder 2"/>
-          <p:cNvSpPr>
-            <a:spLocks noGrp="1"/>
-          </p:cNvSpPr>
-          <p:nvPr>
-            <p:ph sz="quarter" idx="1"/>
-          </p:nvPr>
-        </p:nvSpPr>
-        <p:spPr/>
-        <p:txBody>
-          <a:bodyPr/>
-          <a:lstStyle/>
-          <a:p>
-            <a:r>
-              <a:rPr lang="en-US" dirty="0"/>
-              <a:t>&lt;Based on your model, what were the top features. Here is an example&gt;</a:t>
-            </a:r>
-          </a:p>
-          <a:p>
-            <a:r>
-              <a:rPr lang="en-US" dirty="0"/>
-              <a:t>Based on my model, which is … (see previous slide), top features for</a:t>
-            </a:r>
-          </a:p>
-          <a:p>
-            <a:pPr lvl="1"/>
-            <a:r>
-              <a:rPr lang="en-US" dirty="0"/>
-              <a:t>Republican class</a:t>
-            </a:r>
-          </a:p>
-          <a:p>
-            <a:pPr lvl="2"/>
-            <a:r>
-              <a:rPr lang="en-US" dirty="0"/>
-              <a:t>…</a:t>
-            </a:r>
-          </a:p>
-          <a:p>
-            <a:pPr lvl="1"/>
-            <a:r>
-              <a:rPr lang="en-US" dirty="0"/>
-              <a:t>Democrat class</a:t>
-            </a:r>
-          </a:p>
-          <a:p>
-            <a:pPr lvl="2"/>
-            <a:r>
-              <a:rPr lang="en-US" dirty="0"/>
-              <a:t>…</a:t>
-            </a:r>
-          </a:p>
-        </p:txBody>
-      </p:sp>
-      <p:sp>
-        <p:nvSpPr>
-          <p:cNvPr id="4" name="Slide Number Placeholder 3"/>
-          <p:cNvSpPr>
-            <a:spLocks noGrp="1"/>
-          </p:cNvSpPr>
-          <p:nvPr>
-            <p:ph type="sldNum" sz="quarter" idx="15"/>
-          </p:nvPr>
-        </p:nvSpPr>
-        <p:spPr/>
-        <p:txBody>
-          <a:bodyPr/>
-          <a:lstStyle/>
-          <a:p>
-            <a:pPr algn="ctr" eaLnBrk="1" latinLnBrk="0" hangingPunct="1"/>
-            <a:fld id="{2BBB5E19-F10A-4C2F-BF6F-11C513378A2E}" type="slidenum">
-              <a:rPr kumimoji="0" lang="en-US" smtClean="0"/>
-              <a:pPr algn="ctr" eaLnBrk="1" latinLnBrk="0" hangingPunct="1"/>
-              <a:t>8</a:t>
-            </a:fld>
-            <a:endParaRPr kumimoji="0" lang="en-US"/>
-          </a:p>
-        </p:txBody>
-      </p:sp>
-    </p:spTree>
-    <p:extLst>
-      <p:ext uri="{BB962C8B-B14F-4D97-AF65-F5344CB8AC3E}">
-        <p14:creationId xmlns:p14="http://schemas.microsoft.com/office/powerpoint/2010/main" val="2877806282"/>
       </p:ext>
     </p:extLst>
   </p:cSld>
@@ -4160,7 +4380,7 @@
           <a:p>
             <a:r>
               <a:rPr lang="en-US" dirty="0"/>
-              <a:t>Interesting/unexpected cases</a:t>
+              <a:t>Top Features</a:t>
             </a:r>
           </a:p>
         </p:txBody>
@@ -4177,20 +4397,46 @@
         </p:nvSpPr>
         <p:spPr/>
         <p:txBody>
-          <a:bodyPr>
-            <a:normAutofit lnSpcReduction="10000"/>
-          </a:bodyPr>
+          <a:bodyPr/>
           <a:lstStyle/>
           <a:p>
             <a:r>
               <a:rPr lang="en-US" dirty="0"/>
-              <a:t>&lt;Discuss a few interesting cases. Use extra slides if needed. Use images if needed. Here is an example.&gt;</a:t>
+              <a:t>&lt;Based on your model, what were the top features. Here is an example&gt;</a:t>
             </a:r>
           </a:p>
           <a:p>
             <a:r>
               <a:rPr lang="en-US" dirty="0"/>
-              <a:t>Here is a user who tweeted “…”. The user is definitely a Republican, as you can see from the tweet, but my model classified the user as Democrat. The reason is that my model used bag-of-words model and did not take linguistic features into account, because the user used terms that mostly Democrats use, but used in a negative way…</a:t>
+              <a:t>Based on my model, which is … (see previous slide), top features for</a:t>
+            </a:r>
+          </a:p>
+          <a:p>
+            <a:pPr lvl="1"/>
+            <a:r>
+              <a:rPr lang="en-US" dirty="0"/>
+              <a:t>Republican class</a:t>
+            </a:r>
+          </a:p>
+          <a:p>
+            <a:pPr lvl="2"/>
+            <a:r>
+              <a:rPr lang="en-US" dirty="0"/>
+              <a:t>…</a:t>
+            </a:r>
+          </a:p>
+          <a:p>
+            <a:pPr lvl="1"/>
+            <a:r>
+              <a:rPr lang="en-US" dirty="0"/>
+              <a:t>Democrat class</a:t>
+            </a:r>
+          </a:p>
+          <a:p>
+            <a:pPr lvl="2"/>
+            <a:r>
+              <a:rPr lang="en-US" dirty="0"/>
+              <a:t>…</a:t>
             </a:r>
           </a:p>
         </p:txBody>
@@ -4223,7 +4469,7 @@
     </p:spTree>
     <p:extLst>
       <p:ext uri="{BB962C8B-B14F-4D97-AF65-F5344CB8AC3E}">
-        <p14:creationId xmlns:p14="http://schemas.microsoft.com/office/powerpoint/2010/main" val="3053513882"/>
+        <p14:creationId xmlns:p14="http://schemas.microsoft.com/office/powerpoint/2010/main" val="2877806282"/>
       </p:ext>
     </p:extLst>
   </p:cSld>

--- a/project-presentation-template.pptx
+++ b/project-presentation-template.pptx
@@ -5,10 +5,10 @@
     <p:sldMasterId id="2147483672" r:id="rId1"/>
   </p:sldMasterIdLst>
   <p:notesMasterIdLst>
-    <p:notesMasterId r:id="rId12"/>
+    <p:notesMasterId r:id="rId14"/>
   </p:notesMasterIdLst>
   <p:handoutMasterIdLst>
-    <p:handoutMasterId r:id="rId13"/>
+    <p:handoutMasterId r:id="rId15"/>
   </p:handoutMasterIdLst>
   <p:sldIdLst>
     <p:sldId id="328" r:id="rId2"/>
@@ -19,8 +19,10 @@
     <p:sldId id="332" r:id="rId7"/>
     <p:sldId id="333" r:id="rId8"/>
     <p:sldId id="334" r:id="rId9"/>
-    <p:sldId id="335" r:id="rId10"/>
-    <p:sldId id="336" r:id="rId11"/>
+    <p:sldId id="338" r:id="rId10"/>
+    <p:sldId id="339" r:id="rId11"/>
+    <p:sldId id="335" r:id="rId12"/>
+    <p:sldId id="336" r:id="rId13"/>
   </p:sldIdLst>
   <p:sldSz cx="9144000" cy="6858000" type="screen4x3"/>
   <p:notesSz cx="6858000" cy="9144000"/>
@@ -2794,7 +2796,620 @@
           <a:p>
             <a:r>
               <a:rPr lang="en-US" dirty="0"/>
-              <a:t>Interesting/unexpected cases</a:t>
+              <a:t>Model Selection Results</a:t>
+            </a:r>
+          </a:p>
+        </p:txBody>
+      </p:sp>
+      <p:graphicFrame>
+        <p:nvGraphicFramePr>
+          <p:cNvPr id="5" name="Content Placeholder 4"/>
+          <p:cNvGraphicFramePr>
+            <a:graphicFrameLocks noGrp="1"/>
+          </p:cNvGraphicFramePr>
+          <p:nvPr>
+            <p:ph sz="quarter" idx="1"/>
+            <p:extLst>
+              <p:ext uri="{D42A27DB-BD31-4B8C-83A1-F6EECF244321}">
+                <p14:modId xmlns:p14="http://schemas.microsoft.com/office/powerpoint/2010/main" val="534879696"/>
+              </p:ext>
+            </p:extLst>
+          </p:nvPr>
+        </p:nvGraphicFramePr>
+        <p:xfrm>
+          <a:off x="457200" y="1600200"/>
+          <a:ext cx="7467600" cy="3191022"/>
+        </p:xfrm>
+        <a:graphic>
+          <a:graphicData uri="http://schemas.openxmlformats.org/drawingml/2006/table">
+            <a:tbl>
+              <a:tblPr firstRow="1" bandRow="1">
+                <a:tableStyleId>{5C22544A-7EE6-4342-B048-85BDC9FD1C3A}</a:tableStyleId>
+              </a:tblPr>
+              <a:tblGrid>
+                <a:gridCol w="1676400">
+                  <a:extLst>
+                    <a:ext uri="{9D8B030D-6E8A-4147-A177-3AD203B41FA5}">
+                      <a16:colId xmlns="" xmlns:a16="http://schemas.microsoft.com/office/drawing/2014/main" val="3030602544"/>
+                    </a:ext>
+                  </a:extLst>
+                </a:gridCol>
+                <a:gridCol w="4038600">
+                  <a:extLst>
+                    <a:ext uri="{9D8B030D-6E8A-4147-A177-3AD203B41FA5}">
+                      <a16:colId xmlns="" xmlns:a16="http://schemas.microsoft.com/office/drawing/2014/main" val="2590406836"/>
+                    </a:ext>
+                  </a:extLst>
+                </a:gridCol>
+                <a:gridCol w="1752600">
+                  <a:extLst>
+                    <a:ext uri="{9D8B030D-6E8A-4147-A177-3AD203B41FA5}">
+                      <a16:colId xmlns="" xmlns:a16="http://schemas.microsoft.com/office/drawing/2014/main" val="2422119549"/>
+                    </a:ext>
+                  </a:extLst>
+                </a:gridCol>
+              </a:tblGrid>
+              <a:tr h="215705">
+                <a:tc>
+                  <a:txBody>
+                    <a:bodyPr/>
+                    <a:lstStyle/>
+                    <a:p>
+                      <a:r>
+                        <a:rPr lang="en-US" dirty="0"/>
+                        <a:t>Model</a:t>
+                      </a:r>
+                    </a:p>
+                  </a:txBody>
+                  <a:tcPr/>
+                </a:tc>
+                <a:tc>
+                  <a:txBody>
+                    <a:bodyPr/>
+                    <a:lstStyle/>
+                    <a:p>
+                      <a:r>
+                        <a:rPr lang="en-US" dirty="0"/>
+                        <a:t>Parameters</a:t>
+                      </a:r>
+                    </a:p>
+                  </a:txBody>
+                  <a:tcPr/>
+                </a:tc>
+                <a:tc>
+                  <a:txBody>
+                    <a:bodyPr/>
+                    <a:lstStyle/>
+                    <a:p>
+                      <a:r>
+                        <a:rPr lang="en-US" dirty="0"/>
+                        <a:t>Performance</a:t>
+                      </a:r>
+                    </a:p>
+                  </a:txBody>
+                  <a:tcPr/>
+                </a:tc>
+                <a:extLst>
+                  <a:ext uri="{0D108BD9-81ED-4DB2-BD59-A6C34878D82A}">
+                    <a16:rowId xmlns="" xmlns:a16="http://schemas.microsoft.com/office/drawing/2014/main" val="87940141"/>
+                  </a:ext>
+                </a:extLst>
+              </a:tr>
+              <a:tr h="215705">
+                <a:tc>
+                  <a:txBody>
+                    <a:bodyPr/>
+                    <a:lstStyle/>
+                    <a:p>
+                      <a:endParaRPr lang="en-US" sz="1400" dirty="0"/>
+                    </a:p>
+                  </a:txBody>
+                  <a:tcPr/>
+                </a:tc>
+                <a:tc>
+                  <a:txBody>
+                    <a:bodyPr/>
+                    <a:lstStyle/>
+                    <a:p>
+                      <a:pPr marL="0" marR="0" lvl="0" indent="0" algn="l" defTabSz="914400" rtl="0" eaLnBrk="1" fontAlgn="auto" latinLnBrk="0" hangingPunct="1">
+                        <a:lnSpc>
+                          <a:spcPct val="100000"/>
+                        </a:lnSpc>
+                        <a:spcBef>
+                          <a:spcPts val="0"/>
+                        </a:spcBef>
+                        <a:spcAft>
+                          <a:spcPts val="0"/>
+                        </a:spcAft>
+                        <a:buClrTx/>
+                        <a:buSzTx/>
+                        <a:buFontTx/>
+                        <a:buNone/>
+                        <a:tabLst/>
+                        <a:defRPr/>
+                      </a:pPr>
+                      <a:r>
+                        <a:rPr kumimoji="0" lang="en-US" sz="1400" b="0" i="0" u="none" strike="noStrike" kern="1200" cap="none" spc="0" normalizeH="0" baseline="0" noProof="0" dirty="0" err="1" smtClean="0">
+                          <a:ln>
+                            <a:noFill/>
+                          </a:ln>
+                          <a:solidFill>
+                            <a:prstClr val="black"/>
+                          </a:solidFill>
+                          <a:effectLst/>
+                          <a:uLnTx/>
+                          <a:uFillTx/>
+                          <a:latin typeface="+mn-lt"/>
+                          <a:ea typeface="+mn-ea"/>
+                          <a:cs typeface="+mn-cs"/>
+                        </a:rPr>
+                        <a:t>cache_size</a:t>
+                      </a:r>
+                      <a:r>
+                        <a:rPr kumimoji="0" lang="en-US" sz="1400" b="0" i="0" u="none" strike="noStrike" kern="1200" cap="none" spc="0" normalizeH="0" baseline="0" noProof="0" dirty="0" smtClean="0">
+                          <a:ln>
+                            <a:noFill/>
+                          </a:ln>
+                          <a:solidFill>
+                            <a:prstClr val="black"/>
+                          </a:solidFill>
+                          <a:effectLst/>
+                          <a:uLnTx/>
+                          <a:uFillTx/>
+                          <a:latin typeface="+mn-lt"/>
+                          <a:ea typeface="+mn-ea"/>
+                          <a:cs typeface="+mn-cs"/>
+                        </a:rPr>
+                        <a:t>=1000, kernel=‘linear, C=1, degree=3</a:t>
+                      </a:r>
+                    </a:p>
+                  </a:txBody>
+                  <a:tcPr/>
+                </a:tc>
+                <a:tc>
+                  <a:txBody>
+                    <a:bodyPr/>
+                    <a:lstStyle/>
+                    <a:p>
+                      <a:r>
+                        <a:rPr kumimoji="0" lang="nb-NO" sz="1400" kern="1200" dirty="0" smtClean="0">
+                          <a:solidFill>
+                            <a:schemeClr val="dk1"/>
+                          </a:solidFill>
+                          <a:latin typeface="+mn-lt"/>
+                          <a:ea typeface="+mn-ea"/>
+                          <a:cs typeface="+mn-cs"/>
+                        </a:rPr>
+                        <a:t>0.65855</a:t>
+                      </a:r>
+                      <a:endParaRPr lang="en-US" sz="1400" dirty="0"/>
+                    </a:p>
+                  </a:txBody>
+                  <a:tcPr/>
+                </a:tc>
+                <a:extLst>
+                  <a:ext uri="{0D108BD9-81ED-4DB2-BD59-A6C34878D82A}">
+                    <a16:rowId xmlns="" xmlns:a16="http://schemas.microsoft.com/office/drawing/2014/main" val="2082379726"/>
+                  </a:ext>
+                </a:extLst>
+              </a:tr>
+              <a:tr h="215705">
+                <a:tc>
+                  <a:txBody>
+                    <a:bodyPr/>
+                    <a:lstStyle/>
+                    <a:p>
+                      <a:endParaRPr lang="en-US" sz="1400" dirty="0"/>
+                    </a:p>
+                  </a:txBody>
+                  <a:tcPr/>
+                </a:tc>
+                <a:tc>
+                  <a:txBody>
+                    <a:bodyPr/>
+                    <a:lstStyle/>
+                    <a:p>
+                      <a:pPr marL="0" marR="0" lvl="0" indent="0" algn="l" defTabSz="914400" rtl="0" eaLnBrk="1" fontAlgn="auto" latinLnBrk="0" hangingPunct="1">
+                        <a:lnSpc>
+                          <a:spcPct val="100000"/>
+                        </a:lnSpc>
+                        <a:spcBef>
+                          <a:spcPts val="0"/>
+                        </a:spcBef>
+                        <a:spcAft>
+                          <a:spcPts val="0"/>
+                        </a:spcAft>
+                        <a:buClrTx/>
+                        <a:buSzTx/>
+                        <a:buFontTx/>
+                        <a:buNone/>
+                        <a:tabLst/>
+                        <a:defRPr/>
+                      </a:pPr>
+                      <a:r>
+                        <a:rPr kumimoji="0" lang="en-US" sz="1400" b="0" i="0" u="none" strike="noStrike" kern="1200" cap="none" spc="0" normalizeH="0" baseline="0" noProof="0" dirty="0" err="1" smtClean="0">
+                          <a:ln>
+                            <a:noFill/>
+                          </a:ln>
+                          <a:solidFill>
+                            <a:prstClr val="black"/>
+                          </a:solidFill>
+                          <a:effectLst/>
+                          <a:uLnTx/>
+                          <a:uFillTx/>
+                          <a:latin typeface="+mn-lt"/>
+                          <a:ea typeface="+mn-ea"/>
+                          <a:cs typeface="+mn-cs"/>
+                        </a:rPr>
+                        <a:t>cache_size</a:t>
+                      </a:r>
+                      <a:r>
+                        <a:rPr kumimoji="0" lang="en-US" sz="1400" b="0" i="0" u="none" strike="noStrike" kern="1200" cap="none" spc="0" normalizeH="0" baseline="0" noProof="0" dirty="0" smtClean="0">
+                          <a:ln>
+                            <a:noFill/>
+                          </a:ln>
+                          <a:solidFill>
+                            <a:prstClr val="black"/>
+                          </a:solidFill>
+                          <a:effectLst/>
+                          <a:uLnTx/>
+                          <a:uFillTx/>
+                          <a:latin typeface="+mn-lt"/>
+                          <a:ea typeface="+mn-ea"/>
+                          <a:cs typeface="+mn-cs"/>
+                        </a:rPr>
+                        <a:t>=1000, kernel=‘linear, C=1, degree=4</a:t>
+                      </a:r>
+                    </a:p>
+                  </a:txBody>
+                  <a:tcPr/>
+                </a:tc>
+                <a:tc>
+                  <a:txBody>
+                    <a:bodyPr/>
+                    <a:lstStyle/>
+                    <a:p>
+                      <a:r>
+                        <a:rPr kumimoji="0" lang="nb-NO" sz="1400" kern="1200" dirty="0" smtClean="0">
+                          <a:solidFill>
+                            <a:schemeClr val="dk1"/>
+                          </a:solidFill>
+                          <a:latin typeface="+mn-lt"/>
+                          <a:ea typeface="+mn-ea"/>
+                          <a:cs typeface="+mn-cs"/>
+                        </a:rPr>
+                        <a:t>0.65855</a:t>
+                      </a:r>
+                      <a:endParaRPr lang="en-US" sz="1400" dirty="0"/>
+                    </a:p>
+                  </a:txBody>
+                  <a:tcPr/>
+                </a:tc>
+                <a:extLst>
+                  <a:ext uri="{0D108BD9-81ED-4DB2-BD59-A6C34878D82A}">
+                    <a16:rowId xmlns="" xmlns:a16="http://schemas.microsoft.com/office/drawing/2014/main" val="2507870546"/>
+                  </a:ext>
+                </a:extLst>
+              </a:tr>
+              <a:tr h="539262">
+                <a:tc>
+                  <a:txBody>
+                    <a:bodyPr/>
+                    <a:lstStyle/>
+                    <a:p>
+                      <a:endParaRPr lang="en-US" sz="1400" dirty="0"/>
+                    </a:p>
+                  </a:txBody>
+                  <a:tcPr/>
+                </a:tc>
+                <a:tc>
+                  <a:txBody>
+                    <a:bodyPr/>
+                    <a:lstStyle/>
+                    <a:p>
+                      <a:r>
+                        <a:rPr lang="en-US" sz="1400" dirty="0" smtClean="0"/>
+                        <a:t>P.S</a:t>
+                      </a:r>
+                      <a:r>
+                        <a:rPr lang="en-US" sz="1400" baseline="0" dirty="0" smtClean="0"/>
+                        <a:t>. There is no difference the value</a:t>
+                      </a:r>
+                      <a:endParaRPr lang="en-US" sz="1400" dirty="0"/>
+                    </a:p>
+                  </a:txBody>
+                  <a:tcPr/>
+                </a:tc>
+                <a:tc>
+                  <a:txBody>
+                    <a:bodyPr/>
+                    <a:lstStyle/>
+                    <a:p>
+                      <a:endParaRPr lang="en-US" sz="1400" dirty="0"/>
+                    </a:p>
+                  </a:txBody>
+                  <a:tcPr/>
+                </a:tc>
+                <a:extLst>
+                  <a:ext uri="{0D108BD9-81ED-4DB2-BD59-A6C34878D82A}">
+                    <a16:rowId xmlns="" xmlns:a16="http://schemas.microsoft.com/office/drawing/2014/main" val="3516908593"/>
+                  </a:ext>
+                </a:extLst>
+              </a:tr>
+              <a:tr h="192258">
+                <a:tc>
+                  <a:txBody>
+                    <a:bodyPr/>
+                    <a:lstStyle/>
+                    <a:p>
+                      <a:endParaRPr lang="en-US" sz="1400" dirty="0"/>
+                    </a:p>
+                  </a:txBody>
+                  <a:tcPr/>
+                </a:tc>
+                <a:tc>
+                  <a:txBody>
+                    <a:bodyPr/>
+                    <a:lstStyle/>
+                    <a:p>
+                      <a:pPr marL="0" marR="0" indent="0" algn="l" defTabSz="914400" rtl="0" eaLnBrk="1" fontAlgn="auto" latinLnBrk="0" hangingPunct="1">
+                        <a:lnSpc>
+                          <a:spcPct val="100000"/>
+                        </a:lnSpc>
+                        <a:spcBef>
+                          <a:spcPts val="0"/>
+                        </a:spcBef>
+                        <a:spcAft>
+                          <a:spcPts val="0"/>
+                        </a:spcAft>
+                        <a:buClrTx/>
+                        <a:buSzTx/>
+                        <a:buFontTx/>
+                        <a:buNone/>
+                        <a:tabLst/>
+                        <a:defRPr/>
+                      </a:pPr>
+                      <a:endParaRPr lang="en-US" sz="1400" dirty="0" smtClean="0"/>
+                    </a:p>
+                  </a:txBody>
+                  <a:tcPr/>
+                </a:tc>
+                <a:tc>
+                  <a:txBody>
+                    <a:bodyPr/>
+                    <a:lstStyle/>
+                    <a:p>
+                      <a:endParaRPr lang="en-US" sz="1400" dirty="0"/>
+                    </a:p>
+                  </a:txBody>
+                  <a:tcPr/>
+                </a:tc>
+              </a:tr>
+              <a:tr h="215705">
+                <a:tc>
+                  <a:txBody>
+                    <a:bodyPr/>
+                    <a:lstStyle/>
+                    <a:p>
+                      <a:r>
+                        <a:rPr lang="en-US" sz="1400" b="1" dirty="0" err="1" smtClean="0"/>
+                        <a:t>MLPClassifier</a:t>
+                      </a:r>
+                      <a:endParaRPr lang="en-US" sz="1400" b="1" dirty="0"/>
+                    </a:p>
+                  </a:txBody>
+                  <a:tcPr/>
+                </a:tc>
+                <a:tc>
+                  <a:txBody>
+                    <a:bodyPr/>
+                    <a:lstStyle/>
+                    <a:p>
+                      <a:r>
+                        <a:rPr lang="en-US" sz="1400" dirty="0" err="1" smtClean="0"/>
+                        <a:t>learning_rate_init</a:t>
+                      </a:r>
+                      <a:r>
+                        <a:rPr lang="en-US" sz="1400" dirty="0" smtClean="0"/>
+                        <a:t> = </a:t>
+                      </a:r>
+                      <a:r>
+                        <a:rPr lang="en-US" sz="1400" b="1" dirty="0" smtClean="0"/>
+                        <a:t>0.006</a:t>
+                      </a:r>
+                      <a:r>
+                        <a:rPr lang="en-US" sz="1400" dirty="0" smtClean="0"/>
+                        <a:t>, </a:t>
+                      </a:r>
+                    </a:p>
+                    <a:p>
+                      <a:r>
+                        <a:rPr lang="en-US" sz="1400" dirty="0" smtClean="0"/>
+                        <a:t>alpha = </a:t>
+                      </a:r>
+                      <a:r>
+                        <a:rPr lang="en-US" sz="1400" b="1" dirty="0" smtClean="0"/>
+                        <a:t>0.1</a:t>
+                      </a:r>
+                      <a:r>
+                        <a:rPr lang="en-US" sz="1400" dirty="0" smtClean="0"/>
+                        <a:t>, </a:t>
+                      </a:r>
+                    </a:p>
+                    <a:p>
+                      <a:r>
+                        <a:rPr lang="en-US" sz="1400" dirty="0" err="1" smtClean="0"/>
+                        <a:t>hidden_layer_sizes</a:t>
+                      </a:r>
+                      <a:r>
+                        <a:rPr lang="en-US" sz="1400" dirty="0" smtClean="0"/>
+                        <a:t> = </a:t>
+                      </a:r>
+                      <a:r>
+                        <a:rPr lang="en-US" sz="1400" b="1" dirty="0" smtClean="0"/>
+                        <a:t>(5, 5, 5)</a:t>
+                      </a:r>
+                      <a:r>
+                        <a:rPr lang="en-US" sz="1400" b="0" dirty="0" smtClean="0"/>
+                        <a:t>, </a:t>
+                      </a:r>
+                    </a:p>
+                    <a:p>
+                      <a:r>
+                        <a:rPr lang="en-US" sz="1400" dirty="0" smtClean="0"/>
+                        <a:t>activation = </a:t>
+                      </a:r>
+                      <a:r>
+                        <a:rPr lang="en-US" sz="1400" b="1" dirty="0" smtClean="0"/>
+                        <a:t>'</a:t>
+                      </a:r>
+                      <a:r>
+                        <a:rPr lang="en-US" sz="1400" b="1" dirty="0" err="1" smtClean="0"/>
+                        <a:t>relu</a:t>
+                      </a:r>
+                      <a:r>
+                        <a:rPr lang="en-US" sz="1400" dirty="0" smtClean="0"/>
+                        <a:t>'</a:t>
+                      </a:r>
+                      <a:endParaRPr lang="en-US" sz="1400" dirty="0"/>
+                    </a:p>
+                  </a:txBody>
+                  <a:tcPr/>
+                </a:tc>
+                <a:tc>
+                  <a:txBody>
+                    <a:bodyPr/>
+                    <a:lstStyle/>
+                    <a:p>
+                      <a:r>
+                        <a:rPr kumimoji="0" lang="nb-NO" sz="1400" b="1" kern="1200" dirty="0" smtClean="0">
+                          <a:solidFill>
+                            <a:schemeClr val="dk1"/>
+                          </a:solidFill>
+                          <a:latin typeface="+mn-lt"/>
+                          <a:ea typeface="+mn-ea"/>
+                          <a:cs typeface="+mn-cs"/>
+                        </a:rPr>
+                        <a:t>0.698</a:t>
+                      </a:r>
+                      <a:endParaRPr lang="en-US" sz="1400" b="1" dirty="0"/>
+                    </a:p>
+                  </a:txBody>
+                  <a:tcPr/>
+                </a:tc>
+                <a:extLst>
+                  <a:ext uri="{0D108BD9-81ED-4DB2-BD59-A6C34878D82A}">
+                    <a16:rowId xmlns="" xmlns:a16="http://schemas.microsoft.com/office/drawing/2014/main" val="2386637827"/>
+                  </a:ext>
+                </a:extLst>
+              </a:tr>
+            </a:tbl>
+          </a:graphicData>
+        </a:graphic>
+      </p:graphicFrame>
+      <p:sp>
+        <p:nvSpPr>
+          <p:cNvPr id="4" name="Slide Number Placeholder 3"/>
+          <p:cNvSpPr>
+            <a:spLocks noGrp="1"/>
+          </p:cNvSpPr>
+          <p:nvPr>
+            <p:ph type="sldNum" sz="quarter" idx="15"/>
+          </p:nvPr>
+        </p:nvSpPr>
+        <p:spPr/>
+        <p:txBody>
+          <a:bodyPr/>
+          <a:lstStyle/>
+          <a:p>
+            <a:pPr algn="ctr" eaLnBrk="1" latinLnBrk="0" hangingPunct="1"/>
+            <a:fld id="{2BBB5E19-F10A-4C2F-BF6F-11C513378A2E}" type="slidenum">
+              <a:rPr kumimoji="0" lang="en-US" smtClean="0"/>
+              <a:pPr algn="ctr" eaLnBrk="1" latinLnBrk="0" hangingPunct="1"/>
+              <a:t>10</a:t>
+            </a:fld>
+            <a:endParaRPr kumimoji="0" lang="en-US"/>
+          </a:p>
+        </p:txBody>
+      </p:sp>
+      <p:sp>
+        <p:nvSpPr>
+          <p:cNvPr id="6" name="TextBox 5"/>
+          <p:cNvSpPr txBox="1"/>
+          <p:nvPr/>
+        </p:nvSpPr>
+        <p:spPr>
+          <a:xfrm>
+            <a:off x="2133600" y="3505200"/>
+            <a:ext cx="4343400" cy="276999"/>
+          </a:xfrm>
+          <a:prstGeom prst="rect">
+            <a:avLst/>
+          </a:prstGeom>
+          <a:noFill/>
+        </p:spPr>
+        <p:txBody>
+          <a:bodyPr wrap="square" rtlCol="0">
+            <a:spAutoFit/>
+          </a:bodyPr>
+          <a:lstStyle/>
+          <a:p>
+            <a:r>
+              <a:rPr lang="en-US" sz="1200" b="1" dirty="0" smtClean="0"/>
+              <a:t>BEST MODEL AND PARAMETER SETTING WAS</a:t>
+            </a:r>
+            <a:endParaRPr lang="en-US" sz="1200" b="1" dirty="0"/>
+          </a:p>
+        </p:txBody>
+      </p:sp>
+    </p:spTree>
+    <p:extLst>
+      <p:ext uri="{BB962C8B-B14F-4D97-AF65-F5344CB8AC3E}">
+        <p14:creationId xmlns:p14="http://schemas.microsoft.com/office/powerpoint/2010/main" val="748600458"/>
+      </p:ext>
+    </p:extLst>
+  </p:cSld>
+  <p:clrMapOvr>
+    <a:masterClrMapping/>
+  </p:clrMapOvr>
+</p:sld>
+</file>
+
+<file path=ppt/slides/slide11.xml><?xml version="1.0" encoding="utf-8"?>
+<p:sld xmlns:a="http://schemas.openxmlformats.org/drawingml/2006/main" xmlns:r="http://schemas.openxmlformats.org/officeDocument/2006/relationships" xmlns:p="http://schemas.openxmlformats.org/presentationml/2006/main">
+  <p:cSld>
+    <p:spTree>
+      <p:nvGrpSpPr>
+        <p:cNvPr id="1" name=""/>
+        <p:cNvGrpSpPr/>
+        <p:nvPr/>
+      </p:nvGrpSpPr>
+      <p:grpSpPr>
+        <a:xfrm>
+          <a:off x="0" y="0"/>
+          <a:ext cx="0" cy="0"/>
+          <a:chOff x="0" y="0"/>
+          <a:chExt cx="0" cy="0"/>
+        </a:xfrm>
+      </p:grpSpPr>
+      <p:sp>
+        <p:nvSpPr>
+          <p:cNvPr id="2" name="Title 1"/>
+          <p:cNvSpPr>
+            <a:spLocks noGrp="1"/>
+          </p:cNvSpPr>
+          <p:nvPr>
+            <p:ph type="title"/>
+          </p:nvPr>
+        </p:nvSpPr>
+        <p:spPr/>
+        <p:txBody>
+          <a:bodyPr/>
+          <a:lstStyle/>
+          <a:p>
+            <a:r>
+              <a:rPr lang="en-US" dirty="0"/>
+              <a:t>Top Features</a:t>
             </a:r>
           </a:p>
         </p:txBody>
@@ -2812,20 +3427,92 @@
         <p:spPr/>
         <p:txBody>
           <a:bodyPr>
-            <a:normAutofit lnSpcReduction="10000"/>
+            <a:normAutofit fontScale="85000" lnSpcReduction="20000"/>
           </a:bodyPr>
           <a:lstStyle/>
           <a:p>
             <a:r>
               <a:rPr lang="en-US" dirty="0"/>
-              <a:t>&lt;Discuss a few interesting cases. Use extra slides if needed. Use images if needed. Here is an example.&gt;</a:t>
-            </a:r>
-          </a:p>
-          <a:p>
+              <a:t>Based on our model the top features that affected our target were following:</a:t>
+            </a:r>
+          </a:p>
+          <a:p>
+            <a:pPr lvl="1"/>
             <a:r>
               <a:rPr lang="en-US" dirty="0"/>
-              <a:t>Here is a user who tweeted “…”. The user is definitely a Republican, as you can see from the tweet, but my model classified the user as Democrat. The reason is that my model used bag-of-words model and did not take linguistic features into account, because the user used terms that mostly Democrats use, but used in a negative way…</a:t>
-            </a:r>
+              <a:t>Data</a:t>
+            </a:r>
+          </a:p>
+          <a:p>
+            <a:pPr lvl="1"/>
+            <a:r>
+              <a:rPr lang="en-US" dirty="0"/>
+              <a:t>District</a:t>
+            </a:r>
+          </a:p>
+          <a:p>
+            <a:pPr lvl="1"/>
+            <a:r>
+              <a:rPr lang="en-US" dirty="0"/>
+              <a:t>Primary Type</a:t>
+            </a:r>
+          </a:p>
+          <a:p>
+            <a:pPr lvl="1"/>
+            <a:r>
+              <a:rPr lang="en-US" dirty="0" smtClean="0"/>
+              <a:t>Arrest</a:t>
+            </a:r>
+          </a:p>
+          <a:p>
+            <a:pPr lvl="1"/>
+            <a:r>
+              <a:rPr lang="en-US" dirty="0" smtClean="0"/>
+              <a:t>Crime Weightage</a:t>
+            </a:r>
+            <a:endParaRPr lang="en-US" dirty="0"/>
+          </a:p>
+          <a:p>
+            <a:r>
+              <a:rPr lang="en-US" dirty="0" smtClean="0"/>
+              <a:t>On the basis of the above features, we have given weightage to each crime type and created a column ‘Danger Value’. </a:t>
+            </a:r>
+          </a:p>
+          <a:p>
+            <a:r>
+              <a:rPr lang="en-US" dirty="0" smtClean="0"/>
+              <a:t>A threshold is set (T) = mean of Danger Value (DV)</a:t>
+            </a:r>
+            <a:endParaRPr lang="en-US" dirty="0"/>
+          </a:p>
+          <a:p>
+            <a:r>
+              <a:rPr lang="en-US" dirty="0" smtClean="0"/>
+              <a:t>The target values are set on the basis threshold value.</a:t>
+            </a:r>
+          </a:p>
+          <a:p>
+            <a:r>
+              <a:rPr lang="en-US" dirty="0" smtClean="0"/>
+              <a:t>If DV &lt; T, Label = 0</a:t>
+            </a:r>
+          </a:p>
+          <a:p>
+            <a:r>
+              <a:rPr lang="en-US" dirty="0" smtClean="0"/>
+              <a:t>Else if DV &gt;=T, </a:t>
+            </a:r>
+            <a:r>
+              <a:rPr lang="en-US" dirty="0" err="1" smtClean="0"/>
+              <a:t>Lable</a:t>
+            </a:r>
+            <a:r>
+              <a:rPr lang="en-US" dirty="0" smtClean="0"/>
+              <a:t> = 1</a:t>
+            </a:r>
+          </a:p>
+          <a:p>
+            <a:endParaRPr lang="en-US" dirty="0" smtClean="0"/>
           </a:p>
         </p:txBody>
       </p:sp>
@@ -2848,7 +3535,114 @@
             <a:fld id="{2BBB5E19-F10A-4C2F-BF6F-11C513378A2E}" type="slidenum">
               <a:rPr kumimoji="0" lang="en-US" smtClean="0"/>
               <a:pPr algn="ctr" eaLnBrk="1" latinLnBrk="0" hangingPunct="1"/>
-              <a:t>10</a:t>
+              <a:t>11</a:t>
+            </a:fld>
+            <a:endParaRPr kumimoji="0" lang="en-US"/>
+          </a:p>
+        </p:txBody>
+      </p:sp>
+    </p:spTree>
+    <p:extLst>
+      <p:ext uri="{BB962C8B-B14F-4D97-AF65-F5344CB8AC3E}">
+        <p14:creationId xmlns:p14="http://schemas.microsoft.com/office/powerpoint/2010/main" val="2877806282"/>
+      </p:ext>
+    </p:extLst>
+  </p:cSld>
+  <p:clrMapOvr>
+    <a:masterClrMapping/>
+  </p:clrMapOvr>
+</p:sld>
+</file>
+
+<file path=ppt/slides/slide12.xml><?xml version="1.0" encoding="utf-8"?>
+<p:sld xmlns:a="http://schemas.openxmlformats.org/drawingml/2006/main" xmlns:r="http://schemas.openxmlformats.org/officeDocument/2006/relationships" xmlns:p="http://schemas.openxmlformats.org/presentationml/2006/main">
+  <p:cSld>
+    <p:spTree>
+      <p:nvGrpSpPr>
+        <p:cNvPr id="1" name=""/>
+        <p:cNvGrpSpPr/>
+        <p:nvPr/>
+      </p:nvGrpSpPr>
+      <p:grpSpPr>
+        <a:xfrm>
+          <a:off x="0" y="0"/>
+          <a:ext cx="0" cy="0"/>
+          <a:chOff x="0" y="0"/>
+          <a:chExt cx="0" cy="0"/>
+        </a:xfrm>
+      </p:grpSpPr>
+      <p:sp>
+        <p:nvSpPr>
+          <p:cNvPr id="2" name="Title 1"/>
+          <p:cNvSpPr>
+            <a:spLocks noGrp="1"/>
+          </p:cNvSpPr>
+          <p:nvPr>
+            <p:ph type="title"/>
+          </p:nvPr>
+        </p:nvSpPr>
+        <p:spPr/>
+        <p:txBody>
+          <a:bodyPr/>
+          <a:lstStyle/>
+          <a:p>
+            <a:r>
+              <a:rPr lang="en-US" dirty="0"/>
+              <a:t>Interesting/unexpected cases</a:t>
+            </a:r>
+          </a:p>
+        </p:txBody>
+      </p:sp>
+      <p:sp>
+        <p:nvSpPr>
+          <p:cNvPr id="3" name="Content Placeholder 2"/>
+          <p:cNvSpPr>
+            <a:spLocks noGrp="1"/>
+          </p:cNvSpPr>
+          <p:nvPr>
+            <p:ph sz="quarter" idx="1"/>
+          </p:nvPr>
+        </p:nvSpPr>
+        <p:spPr/>
+        <p:txBody>
+          <a:bodyPr>
+            <a:normAutofit lnSpcReduction="10000"/>
+          </a:bodyPr>
+          <a:lstStyle/>
+          <a:p>
+            <a:r>
+              <a:rPr lang="en-US" dirty="0"/>
+              <a:t>&lt;Discuss a few interesting cases. Use extra slides if needed. Use images if needed. Here is an example.&gt;</a:t>
+            </a:r>
+          </a:p>
+          <a:p>
+            <a:r>
+              <a:rPr lang="en-US" dirty="0"/>
+              <a:t>Here is a user who tweeted “…”. The user is definitely a Republican, as you can see from the tweet, but my model classified the user as Democrat. The reason is that my model used bag-of-words model and did not take linguistic features into account, because the user used terms that mostly Democrats use, but used in a negative way…</a:t>
+            </a:r>
+          </a:p>
+        </p:txBody>
+      </p:sp>
+      <p:sp>
+        <p:nvSpPr>
+          <p:cNvPr id="4" name="Slide Number Placeholder 3"/>
+          <p:cNvSpPr>
+            <a:spLocks noGrp="1"/>
+          </p:cNvSpPr>
+          <p:nvPr>
+            <p:ph type="sldNum" sz="quarter" idx="15"/>
+          </p:nvPr>
+        </p:nvSpPr>
+        <p:spPr/>
+        <p:txBody>
+          <a:bodyPr/>
+          <a:lstStyle/>
+          <a:p>
+            <a:pPr algn="ctr" eaLnBrk="1" latinLnBrk="0" hangingPunct="1"/>
+            <a:fld id="{2BBB5E19-F10A-4C2F-BF6F-11C513378A2E}" type="slidenum">
+              <a:rPr kumimoji="0" lang="en-US" smtClean="0"/>
+              <a:pPr algn="ctr" eaLnBrk="1" latinLnBrk="0" hangingPunct="1"/>
+              <a:t>12</a:t>
             </a:fld>
             <a:endParaRPr kumimoji="0" lang="en-US"/>
           </a:p>
@@ -3565,19 +4359,146 @@
         </p:nvSpPr>
         <p:spPr/>
         <p:txBody>
-          <a:bodyPr/>
+          <a:bodyPr>
+            <a:normAutofit fontScale="77500" lnSpcReduction="20000"/>
+          </a:bodyPr>
           <a:lstStyle/>
           <a:p>
             <a:r>
+              <a:rPr lang="en-US" dirty="0" smtClean="0"/>
+              <a:t>We used Accuracy as our baseline measure via Confusion Matrix.</a:t>
+            </a:r>
+          </a:p>
+          <a:p>
+            <a:r>
+              <a:rPr lang="en-US" dirty="0" smtClean="0"/>
+              <a:t>First, we manually calculated the probability of 1s and 0s in our class for our baseline accuracy measure.</a:t>
+            </a:r>
+            <a:endParaRPr lang="en-US" dirty="0" smtClean="0"/>
+          </a:p>
+          <a:p>
+            <a:r>
+              <a:rPr lang="en-US" dirty="0" smtClean="0"/>
+              <a:t>Model used: </a:t>
+            </a:r>
+            <a:r>
+              <a:rPr lang="en-US" b="1" dirty="0" err="1" smtClean="0"/>
+              <a:t>MLPClassifier</a:t>
+            </a:r>
+            <a:endParaRPr lang="en-US" b="1" dirty="0" smtClean="0"/>
+          </a:p>
+          <a:p>
+            <a:r>
+              <a:rPr lang="en-US" dirty="0" smtClean="0"/>
+              <a:t>Parameters used: </a:t>
+            </a:r>
+          </a:p>
+          <a:p>
+            <a:pPr lvl="1"/>
+            <a:r>
               <a:rPr lang="en-US" dirty="0"/>
-              <a:t>&lt;Describe the measure and present results for various models and parameters. Here is an example&gt;</a:t>
-            </a:r>
-          </a:p>
-          <a:p>
+              <a:t>a</a:t>
+            </a:r>
+            <a:r>
+              <a:rPr lang="en-US" dirty="0" smtClean="0"/>
+              <a:t>ctivation </a:t>
+            </a:r>
             <a:r>
               <a:rPr lang="en-US" dirty="0"/>
-              <a:t>We used accuracy because …</a:t>
-            </a:r>
+              <a:t>= </a:t>
+            </a:r>
+            <a:r>
+              <a:rPr lang="en-US" dirty="0" smtClean="0"/>
+              <a:t>‘</a:t>
+            </a:r>
+            <a:r>
+              <a:rPr lang="en-US" dirty="0" err="1" smtClean="0"/>
+              <a:t>relu</a:t>
+            </a:r>
+            <a:r>
+              <a:rPr lang="en-US" dirty="0" smtClean="0"/>
+              <a:t>’</a:t>
+            </a:r>
+            <a:endParaRPr lang="en-US" dirty="0"/>
+          </a:p>
+          <a:p>
+            <a:pPr lvl="1"/>
+            <a:r>
+              <a:rPr lang="fi-FI" dirty="0" err="1" smtClean="0"/>
+              <a:t>learning_rate_init</a:t>
+            </a:r>
+            <a:r>
+              <a:rPr lang="fi-FI" dirty="0" smtClean="0"/>
+              <a:t> </a:t>
+            </a:r>
+            <a:r>
+              <a:rPr lang="fi-FI" dirty="0"/>
+              <a:t>= </a:t>
+            </a:r>
+            <a:r>
+              <a:rPr lang="is-IS" dirty="0" smtClean="0"/>
+              <a:t>0.006</a:t>
+            </a:r>
+            <a:endParaRPr lang="fi-FI" dirty="0"/>
+          </a:p>
+          <a:p>
+            <a:pPr lvl="1"/>
+            <a:r>
+              <a:rPr lang="en-US" dirty="0" err="1" smtClean="0"/>
+              <a:t>hidden_layer_sizes</a:t>
+            </a:r>
+            <a:r>
+              <a:rPr lang="en-US" dirty="0" smtClean="0"/>
+              <a:t> </a:t>
+            </a:r>
+            <a:r>
+              <a:rPr lang="en-US" dirty="0"/>
+              <a:t>= </a:t>
+            </a:r>
+            <a:r>
+              <a:rPr lang="en-US" dirty="0" smtClean="0"/>
+              <a:t>{5, 5, 5}</a:t>
+            </a:r>
+            <a:endParaRPr lang="en-US" dirty="0"/>
+          </a:p>
+          <a:p>
+            <a:pPr lvl="1"/>
+            <a:r>
+              <a:rPr lang="en-US" dirty="0"/>
+              <a:t>a</a:t>
+            </a:r>
+            <a:r>
+              <a:rPr lang="fr-FR" dirty="0" err="1" smtClean="0"/>
+              <a:t>lpha</a:t>
+            </a:r>
+            <a:r>
+              <a:rPr lang="fr-FR" dirty="0" smtClean="0"/>
+              <a:t> = 0.1</a:t>
+            </a:r>
+            <a:endParaRPr lang="fr-FR" dirty="0"/>
+          </a:p>
+          <a:p>
+            <a:r>
+              <a:rPr lang="en-US" dirty="0" smtClean="0"/>
+              <a:t>We </a:t>
+            </a:r>
+            <a:r>
+              <a:rPr lang="en-US" dirty="0"/>
+              <a:t>used </a:t>
+            </a:r>
+            <a:r>
+              <a:rPr lang="en-US" dirty="0" smtClean="0"/>
+              <a:t>Accuracy </a:t>
+            </a:r>
+            <a:r>
+              <a:rPr lang="en-US" dirty="0"/>
+              <a:t>because </a:t>
+            </a:r>
+            <a:r>
+              <a:rPr lang="en-US" dirty="0" smtClean="0"/>
+              <a:t>we had a balanced binary target class.</a:t>
+            </a:r>
+            <a:endParaRPr lang="en-US" dirty="0"/>
           </a:p>
           <a:p>
             <a:r>
@@ -3683,14 +4604,14 @@
             <p:ph sz="quarter" idx="1"/>
             <p:extLst>
               <p:ext uri="{D42A27DB-BD31-4B8C-83A1-F6EECF244321}">
-                <p14:modId xmlns:p14="http://schemas.microsoft.com/office/powerpoint/2010/main" val="2292852129"/>
+                <p14:modId xmlns:p14="http://schemas.microsoft.com/office/powerpoint/2010/main" val="1941634525"/>
               </p:ext>
             </p:extLst>
           </p:nvPr>
         </p:nvGraphicFramePr>
         <p:xfrm>
           <a:off x="457200" y="1600200"/>
-          <a:ext cx="7467600" cy="4079240"/>
+          <a:ext cx="7467600" cy="4495800"/>
         </p:xfrm>
         <a:graphic>
           <a:graphicData uri="http://schemas.openxmlformats.org/drawingml/2006/table">
@@ -3699,21 +4620,21 @@
                 <a:tableStyleId>{5C22544A-7EE6-4342-B048-85BDC9FD1C3A}</a:tableStyleId>
               </a:tblPr>
               <a:tblGrid>
-                <a:gridCol w="2489200">
+                <a:gridCol w="1066800">
                   <a:extLst>
                     <a:ext uri="{9D8B030D-6E8A-4147-A177-3AD203B41FA5}">
                       <a16:colId xmlns="" xmlns:a16="http://schemas.microsoft.com/office/drawing/2014/main" val="3030602544"/>
                     </a:ext>
                   </a:extLst>
                 </a:gridCol>
-                <a:gridCol w="2489200">
+                <a:gridCol w="4800600">
                   <a:extLst>
                     <a:ext uri="{9D8B030D-6E8A-4147-A177-3AD203B41FA5}">
                       <a16:colId xmlns="" xmlns:a16="http://schemas.microsoft.com/office/drawing/2014/main" val="2590406836"/>
                     </a:ext>
                   </a:extLst>
                 </a:gridCol>
-                <a:gridCol w="2489200">
+                <a:gridCol w="1600200">
                   <a:extLst>
                     <a:ext uri="{9D8B030D-6E8A-4147-A177-3AD203B41FA5}">
                       <a16:colId xmlns="" xmlns:a16="http://schemas.microsoft.com/office/drawing/2014/main" val="2422119549"/>
@@ -3721,14 +4642,14 @@
                   </a:extLst>
                 </a:gridCol>
               </a:tblGrid>
-              <a:tr h="370840">
-                <a:tc>
-                  <a:txBody>
-                    <a:bodyPr/>
-                    <a:lstStyle/>
-                    <a:p>
-                      <a:r>
-                        <a:rPr lang="en-US" dirty="0"/>
+              <a:tr h="381883">
+                <a:tc>
+                  <a:txBody>
+                    <a:bodyPr/>
+                    <a:lstStyle/>
+                    <a:p>
+                      <a:r>
+                        <a:rPr lang="en-US" sz="1600" dirty="0"/>
                         <a:t>Model</a:t>
                       </a:r>
                     </a:p>
@@ -3740,8 +4661,9 @@
                     <a:bodyPr/>
                     <a:lstStyle/>
                     <a:p>
-                      <a:r>
-                        <a:rPr lang="en-US" dirty="0"/>
+                      <a:pPr algn="ctr"/>
+                      <a:r>
+                        <a:rPr lang="en-US" sz="1600" dirty="0"/>
                         <a:t>Parameters</a:t>
                       </a:r>
                     </a:p>
@@ -3754,7 +4676,7 @@
                     <a:lstStyle/>
                     <a:p>
                       <a:r>
-                        <a:rPr lang="en-US" dirty="0"/>
+                        <a:rPr lang="en-US" sz="1600" dirty="0"/>
                         <a:t>Performance</a:t>
                       </a:r>
                     </a:p>
@@ -3767,14 +4689,14 @@
                   </a:ext>
                 </a:extLst>
               </a:tr>
-              <a:tr h="370840">
-                <a:tc>
-                  <a:txBody>
-                    <a:bodyPr/>
-                    <a:lstStyle/>
-                    <a:p>
-                      <a:r>
-                        <a:rPr lang="en-US" dirty="0"/>
+              <a:tr h="347166">
+                <a:tc>
+                  <a:txBody>
+                    <a:bodyPr/>
+                    <a:lstStyle/>
+                    <a:p>
+                      <a:r>
+                        <a:rPr lang="en-US" sz="1400" dirty="0"/>
                         <a:t>Baseline</a:t>
                       </a:r>
                     </a:p>
@@ -3787,27 +4709,35 @@
                     <a:lstStyle/>
                     <a:p>
                       <a:r>
-                        <a:rPr lang="en-US" dirty="0"/>
+                        <a:rPr lang="en-US" sz="1400" dirty="0"/>
                         <a:t>majority</a:t>
                       </a:r>
                       <a:r>
-                        <a:rPr lang="en-US" baseline="0" dirty="0"/>
+                        <a:rPr lang="en-US" sz="1400" baseline="0" dirty="0"/>
                         <a:t> class</a:t>
                       </a:r>
-                      <a:endParaRPr lang="en-US" dirty="0"/>
-                    </a:p>
-                  </a:txBody>
-                  <a:tcPr/>
-                </a:tc>
-                <a:tc>
-                  <a:txBody>
-                    <a:bodyPr/>
-                    <a:lstStyle/>
-                    <a:p>
-                      <a:r>
-                        <a:rPr lang="en-US" dirty="0"/>
-                        <a:t>…</a:t>
-                      </a:r>
+                      <a:endParaRPr lang="en-US" sz="1400" dirty="0"/>
+                    </a:p>
+                  </a:txBody>
+                  <a:tcPr/>
+                </a:tc>
+                <a:tc>
+                  <a:txBody>
+                    <a:bodyPr/>
+                    <a:lstStyle/>
+                    <a:p>
+                      <a:r>
+                        <a:rPr kumimoji="0" lang="it-IT" sz="1400" kern="1200" dirty="0" smtClean="0">
+                          <a:solidFill>
+                            <a:schemeClr val="dk1"/>
+                          </a:solidFill>
+                          <a:latin typeface="+mn-lt"/>
+                          <a:ea typeface="+mn-ea"/>
+                          <a:cs typeface="+mn-cs"/>
+                        </a:rPr>
+                        <a:t>0.589</a:t>
+                      </a:r>
+                      <a:endParaRPr lang="en-US" sz="1400" dirty="0"/>
                     </a:p>
                   </a:txBody>
                   <a:tcPr/>
@@ -3818,39 +4748,33 @@
                   </a:ext>
                 </a:extLst>
               </a:tr>
-              <a:tr h="370840">
-                <a:tc>
-                  <a:txBody>
-                    <a:bodyPr/>
-                    <a:lstStyle/>
-                    <a:p>
-                      <a:endParaRPr lang="en-US" dirty="0"/>
-                    </a:p>
-                  </a:txBody>
-                  <a:tcPr/>
-                </a:tc>
-                <a:tc>
-                  <a:txBody>
-                    <a:bodyPr/>
-                    <a:lstStyle/>
-                    <a:p>
-                      <a:r>
-                        <a:rPr lang="en-US" dirty="0"/>
-                        <a:t>…</a:t>
-                      </a:r>
-                    </a:p>
-                  </a:txBody>
-                  <a:tcPr/>
-                </a:tc>
-                <a:tc>
-                  <a:txBody>
-                    <a:bodyPr/>
-                    <a:lstStyle/>
-                    <a:p>
-                      <a:r>
-                        <a:rPr lang="en-US" dirty="0"/>
-                        <a:t>…</a:t>
-                      </a:r>
+              <a:tr h="347166">
+                <a:tc>
+                  <a:txBody>
+                    <a:bodyPr/>
+                    <a:lstStyle/>
+                    <a:p>
+                      <a:endParaRPr lang="en-US" sz="1400" dirty="0"/>
+                    </a:p>
+                  </a:txBody>
+                  <a:tcPr/>
+                </a:tc>
+                <a:tc>
+                  <a:txBody>
+                    <a:bodyPr/>
+                    <a:lstStyle/>
+                    <a:p>
+                      <a:endParaRPr lang="en-US" sz="1400" dirty="0"/>
+                    </a:p>
+                  </a:txBody>
+                  <a:tcPr/>
+                </a:tc>
+                <a:tc>
+                  <a:txBody>
+                    <a:bodyPr/>
+                    <a:lstStyle/>
+                    <a:p>
+                      <a:endParaRPr lang="en-US" sz="1400" dirty="0"/>
                     </a:p>
                   </a:txBody>
                   <a:tcPr/>
@@ -3861,14 +4785,14 @@
                   </a:ext>
                 </a:extLst>
               </a:tr>
-              <a:tr h="370840">
-                <a:tc>
-                  <a:txBody>
-                    <a:bodyPr/>
-                    <a:lstStyle/>
-                    <a:p>
-                      <a:r>
-                        <a:rPr lang="en-US" dirty="0"/>
+              <a:tr h="614217">
+                <a:tc>
+                  <a:txBody>
+                    <a:bodyPr/>
+                    <a:lstStyle/>
+                    <a:p>
+                      <a:r>
+                        <a:rPr lang="en-US" sz="1400" dirty="0"/>
                         <a:t>Logistic regression</a:t>
                       </a:r>
                     </a:p>
@@ -3881,27 +4805,51 @@
                     <a:lstStyle/>
                     <a:p>
                       <a:r>
-                        <a:rPr lang="en-US" dirty="0"/>
-                        <a:t>penalty</a:t>
-                      </a:r>
-                      <a:r>
-                        <a:rPr lang="en-US" baseline="0" dirty="0"/>
-                        <a:t> = l2, C=1</a:t>
-                      </a:r>
-                      <a:endParaRPr lang="en-US" dirty="0"/>
-                    </a:p>
-                  </a:txBody>
-                  <a:tcPr/>
-                </a:tc>
-                <a:tc>
-                  <a:txBody>
-                    <a:bodyPr/>
-                    <a:lstStyle/>
-                    <a:p>
-                      <a:r>
-                        <a:rPr lang="en-US" dirty="0"/>
-                        <a:t>…</a:t>
-                      </a:r>
+                        <a:rPr lang="en-US" sz="1400" dirty="0" smtClean="0"/>
+                        <a:t>C</a:t>
+                      </a:r>
+                      <a:r>
+                        <a:rPr lang="en-US" sz="1400" baseline="0" dirty="0" smtClean="0"/>
+                        <a:t>=2, </a:t>
+                      </a:r>
+                      <a:r>
+                        <a:rPr lang="en-US" sz="1400" baseline="0" dirty="0" err="1" smtClean="0"/>
+                        <a:t>max_iter</a:t>
+                      </a:r>
+                      <a:r>
+                        <a:rPr lang="en-US" sz="1400" baseline="0" dirty="0" smtClean="0"/>
+                        <a:t>=1000, </a:t>
+                      </a:r>
+                      <a:r>
+                        <a:rPr lang="en-US" sz="1400" baseline="0" dirty="0" err="1" smtClean="0"/>
+                        <a:t>random_state</a:t>
+                      </a:r>
+                      <a:r>
+                        <a:rPr lang="en-US" sz="1400" baseline="0" dirty="0" smtClean="0"/>
+                        <a:t>=0, solver=‘sag’</a:t>
+                      </a:r>
+                      <a:endParaRPr lang="en-US" sz="1400" dirty="0"/>
+                    </a:p>
+                  </a:txBody>
+                  <a:tcPr/>
+                </a:tc>
+                <a:tc>
+                  <a:txBody>
+                    <a:bodyPr/>
+                    <a:lstStyle/>
+                    <a:p>
+                      <a:r>
+                        <a:rPr kumimoji="0" lang="is-IS" sz="1400" kern="1200" dirty="0" smtClean="0">
+                          <a:solidFill>
+                            <a:schemeClr val="dk1"/>
+                          </a:solidFill>
+                          <a:latin typeface="+mn-lt"/>
+                          <a:ea typeface="+mn-ea"/>
+                          <a:cs typeface="+mn-cs"/>
+                        </a:rPr>
+                        <a:t>0.68058</a:t>
+                      </a:r>
+                      <a:endParaRPr lang="en-US" sz="1400" dirty="0"/>
                     </a:p>
                   </a:txBody>
                   <a:tcPr/>
@@ -3912,13 +4860,13 @@
                   </a:ext>
                 </a:extLst>
               </a:tr>
-              <a:tr h="370840">
-                <a:tc>
-                  <a:txBody>
-                    <a:bodyPr/>
-                    <a:lstStyle/>
-                    <a:p>
-                      <a:endParaRPr lang="en-US"/>
+              <a:tr h="392564">
+                <a:tc>
+                  <a:txBody>
+                    <a:bodyPr/>
+                    <a:lstStyle/>
+                    <a:p>
+                      <a:endParaRPr lang="en-US" sz="1400" dirty="0"/>
                     </a:p>
                   </a:txBody>
                   <a:tcPr/>
@@ -3946,27 +4894,51 @@
                         <a:defRPr/>
                       </a:pPr>
                       <a:r>
-                        <a:rPr lang="en-US" dirty="0"/>
-                        <a:t>penalty</a:t>
-                      </a:r>
-                      <a:r>
-                        <a:rPr lang="en-US" baseline="0" dirty="0"/>
-                        <a:t> = l2, C=10</a:t>
-                      </a:r>
-                      <a:endParaRPr lang="en-US" dirty="0"/>
-                    </a:p>
-                  </a:txBody>
-                  <a:tcPr/>
-                </a:tc>
-                <a:tc>
-                  <a:txBody>
-                    <a:bodyPr/>
-                    <a:lstStyle/>
-                    <a:p>
-                      <a:r>
-                        <a:rPr lang="en-US" dirty="0"/>
-                        <a:t>…</a:t>
-                      </a:r>
+                        <a:rPr lang="en-US" sz="1400" dirty="0" smtClean="0"/>
+                        <a:t>C</a:t>
+                      </a:r>
+                      <a:r>
+                        <a:rPr lang="en-US" sz="1400" baseline="0" dirty="0" smtClean="0"/>
+                        <a:t>=1, </a:t>
+                      </a:r>
+                      <a:r>
+                        <a:rPr lang="en-US" sz="1400" baseline="0" dirty="0" err="1" smtClean="0"/>
+                        <a:t>max_iter</a:t>
+                      </a:r>
+                      <a:r>
+                        <a:rPr lang="en-US" sz="1400" baseline="0" dirty="0" smtClean="0"/>
+                        <a:t>=1000, </a:t>
+                      </a:r>
+                      <a:r>
+                        <a:rPr lang="en-US" sz="1400" baseline="0" dirty="0" err="1" smtClean="0"/>
+                        <a:t>random_state</a:t>
+                      </a:r>
+                      <a:r>
+                        <a:rPr lang="en-US" sz="1400" baseline="0" dirty="0" smtClean="0"/>
+                        <a:t>=0, solver=‘sag’</a:t>
+                      </a:r>
+                      <a:endParaRPr lang="en-US" sz="1400" dirty="0"/>
+                    </a:p>
+                  </a:txBody>
+                  <a:tcPr/>
+                </a:tc>
+                <a:tc>
+                  <a:txBody>
+                    <a:bodyPr/>
+                    <a:lstStyle/>
+                    <a:p>
+                      <a:r>
+                        <a:rPr kumimoji="0" lang="is-IS" sz="1400" kern="1200" dirty="0" smtClean="0">
+                          <a:solidFill>
+                            <a:schemeClr val="dk1"/>
+                          </a:solidFill>
+                          <a:latin typeface="+mn-lt"/>
+                          <a:ea typeface="+mn-ea"/>
+                          <a:cs typeface="+mn-cs"/>
+                        </a:rPr>
+                        <a:t>0.68058</a:t>
+                      </a:r>
+                      <a:endParaRPr lang="en-US" sz="1400" dirty="0"/>
                     </a:p>
                   </a:txBody>
                   <a:tcPr/>
@@ -3977,39 +4949,68 @@
                   </a:ext>
                 </a:extLst>
               </a:tr>
-              <a:tr h="370840">
-                <a:tc>
-                  <a:txBody>
-                    <a:bodyPr/>
-                    <a:lstStyle/>
-                    <a:p>
-                      <a:endParaRPr lang="en-US"/>
-                    </a:p>
-                  </a:txBody>
-                  <a:tcPr/>
-                </a:tc>
-                <a:tc>
-                  <a:txBody>
-                    <a:bodyPr/>
-                    <a:lstStyle/>
-                    <a:p>
-                      <a:r>
-                        <a:rPr lang="en-US" dirty="0"/>
-                        <a:t>…</a:t>
-                      </a:r>
-                    </a:p>
-                  </a:txBody>
-                  <a:tcPr/>
-                </a:tc>
-                <a:tc>
-                  <a:txBody>
-                    <a:bodyPr/>
-                    <a:lstStyle/>
-                    <a:p>
-                      <a:r>
-                        <a:rPr lang="en-US" dirty="0"/>
-                        <a:t>…</a:t>
-                      </a:r>
+              <a:tr h="381883">
+                <a:tc>
+                  <a:txBody>
+                    <a:bodyPr/>
+                    <a:lstStyle/>
+                    <a:p>
+                      <a:endParaRPr lang="en-US" sz="1400"/>
+                    </a:p>
+                  </a:txBody>
+                  <a:tcPr/>
+                </a:tc>
+                <a:tc>
+                  <a:txBody>
+                    <a:bodyPr/>
+                    <a:lstStyle/>
+                    <a:p>
+                      <a:r>
+                        <a:rPr lang="en-US" sz="1400" dirty="0" smtClean="0"/>
+                        <a:t>C</a:t>
+                      </a:r>
+                      <a:r>
+                        <a:rPr lang="en-US" sz="1400" baseline="0" dirty="0" smtClean="0"/>
+                        <a:t>=0.1, </a:t>
+                      </a:r>
+                      <a:r>
+                        <a:rPr lang="en-US" sz="1400" baseline="0" dirty="0" err="1" smtClean="0"/>
+                        <a:t>max_iter</a:t>
+                      </a:r>
+                      <a:r>
+                        <a:rPr lang="en-US" sz="1400" baseline="0" dirty="0" smtClean="0"/>
+                        <a:t>=1000, </a:t>
+                      </a:r>
+                      <a:r>
+                        <a:rPr lang="en-US" sz="1400" baseline="0" dirty="0" err="1" smtClean="0"/>
+                        <a:t>random_state</a:t>
+                      </a:r>
+                      <a:r>
+                        <a:rPr lang="en-US" sz="1400" baseline="0" dirty="0" smtClean="0"/>
+                        <a:t>=0, solver=‘sag’</a:t>
+                      </a:r>
+                      <a:endParaRPr lang="en-US" sz="1400" dirty="0"/>
+                    </a:p>
+                  </a:txBody>
+                  <a:tcPr/>
+                </a:tc>
+                <a:tc>
+                  <a:txBody>
+                    <a:bodyPr/>
+                    <a:lstStyle/>
+                    <a:p>
+                      <a:r>
+                        <a:rPr kumimoji="0" lang="it-IT" sz="1400" kern="1200" dirty="0" smtClean="0">
+                          <a:solidFill>
+                            <a:schemeClr val="dk1"/>
+                          </a:solidFill>
+                          <a:latin typeface="+mn-lt"/>
+                          <a:ea typeface="+mn-ea"/>
+                          <a:cs typeface="+mn-cs"/>
+                        </a:rPr>
+                        <a:t>0.68132</a:t>
+                      </a:r>
+                      <a:endParaRPr lang="en-US" sz="1400" dirty="0"/>
                     </a:p>
                   </a:txBody>
                   <a:tcPr/>
@@ -4020,44 +5021,85 @@
                   </a:ext>
                 </a:extLst>
               </a:tr>
-              <a:tr h="370840">
-                <a:tc>
-                  <a:txBody>
-                    <a:bodyPr/>
-                    <a:lstStyle/>
-                    <a:p>
-                      <a:endParaRPr lang="en-US"/>
-                    </a:p>
-                  </a:txBody>
-                  <a:tcPr/>
-                </a:tc>
-                <a:tc>
-                  <a:txBody>
-                    <a:bodyPr/>
-                    <a:lstStyle/>
-                    <a:p>
-                      <a:r>
-                        <a:rPr lang="en-US" dirty="0"/>
-                        <a:t>penalty</a:t>
-                      </a:r>
-                      <a:r>
-                        <a:rPr lang="en-US" baseline="0" dirty="0"/>
-                        <a:t> = l1, C = 0.1</a:t>
-                      </a:r>
-                      <a:endParaRPr lang="en-US" dirty="0"/>
-                    </a:p>
-                  </a:txBody>
-                  <a:tcPr/>
-                </a:tc>
-                <a:tc>
-                  <a:txBody>
-                    <a:bodyPr/>
-                    <a:lstStyle/>
-                    <a:p>
-                      <a:r>
-                        <a:rPr lang="en-US" dirty="0"/>
-                        <a:t>…</a:t>
-                      </a:r>
+              <a:tr h="347166">
+                <a:tc>
+                  <a:txBody>
+                    <a:bodyPr/>
+                    <a:lstStyle/>
+                    <a:p>
+                      <a:endParaRPr lang="en-US" sz="1400"/>
+                    </a:p>
+                  </a:txBody>
+                  <a:tcPr/>
+                </a:tc>
+                <a:tc>
+                  <a:txBody>
+                    <a:bodyPr/>
+                    <a:lstStyle/>
+                    <a:p>
+                      <a:r>
+                        <a:rPr lang="en-US" sz="1400" dirty="0" smtClean="0"/>
+                        <a:t>C</a:t>
+                      </a:r>
+                      <a:r>
+                        <a:rPr lang="en-US" sz="1400" baseline="0" dirty="0" smtClean="0"/>
+                        <a:t>=0.01, </a:t>
+                      </a:r>
+                      <a:r>
+                        <a:rPr lang="en-US" sz="1400" baseline="0" dirty="0" err="1" smtClean="0"/>
+                        <a:t>max_iter</a:t>
+                      </a:r>
+                      <a:r>
+                        <a:rPr lang="en-US" sz="1400" baseline="0" dirty="0" smtClean="0"/>
+                        <a:t>=1000, </a:t>
+                      </a:r>
+                      <a:r>
+                        <a:rPr lang="en-US" sz="1400" baseline="0" dirty="0" err="1" smtClean="0"/>
+                        <a:t>random_state</a:t>
+                      </a:r>
+                      <a:r>
+                        <a:rPr lang="en-US" sz="1400" baseline="0" dirty="0" smtClean="0"/>
+                        <a:t>=0, solver=‘sag’</a:t>
+                      </a:r>
+                      <a:endParaRPr lang="en-US" sz="1400" dirty="0"/>
+                    </a:p>
+                  </a:txBody>
+                  <a:tcPr/>
+                </a:tc>
+                <a:tc>
+                  <a:txBody>
+                    <a:bodyPr/>
+                    <a:lstStyle/>
+                    <a:p>
+                      <a:pPr marL="0" marR="0" indent="0" algn="l" defTabSz="914400" rtl="0" eaLnBrk="1" fontAlgn="auto" latinLnBrk="0" hangingPunct="1">
+                        <a:lnSpc>
+                          <a:spcPct val="100000"/>
+                        </a:lnSpc>
+                        <a:spcBef>
+                          <a:spcPts val="0"/>
+                        </a:spcBef>
+                        <a:spcAft>
+                          <a:spcPts val="0"/>
+                        </a:spcAft>
+                        <a:buClrTx/>
+                        <a:buSzTx/>
+                        <a:buFontTx/>
+                        <a:buNone/>
+                        <a:tabLst/>
+                        <a:defRPr/>
+                      </a:pPr>
+                      <a:r>
+                        <a:rPr kumimoji="0" lang="is-IS" sz="1400" kern="1200" dirty="0" smtClean="0">
+                          <a:solidFill>
+                            <a:schemeClr val="dk1"/>
+                          </a:solidFill>
+                          <a:latin typeface="+mn-lt"/>
+                          <a:ea typeface="+mn-ea"/>
+                          <a:cs typeface="+mn-cs"/>
+                        </a:rPr>
+                        <a:t>0.68169</a:t>
+                      </a:r>
+                      <a:endParaRPr lang="en-US" sz="1400" dirty="0"/>
                     </a:p>
                   </a:txBody>
                   <a:tcPr/>
@@ -4068,39 +5110,85 @@
                   </a:ext>
                 </a:extLst>
               </a:tr>
-              <a:tr h="370840">
-                <a:tc>
-                  <a:txBody>
-                    <a:bodyPr/>
-                    <a:lstStyle/>
-                    <a:p>
-                      <a:endParaRPr lang="en-US"/>
-                    </a:p>
-                  </a:txBody>
-                  <a:tcPr/>
-                </a:tc>
-                <a:tc>
-                  <a:txBody>
-                    <a:bodyPr/>
-                    <a:lstStyle/>
-                    <a:p>
-                      <a:r>
-                        <a:rPr lang="en-US" dirty="0"/>
-                        <a:t>…</a:t>
-                      </a:r>
-                    </a:p>
-                  </a:txBody>
-                  <a:tcPr/>
-                </a:tc>
-                <a:tc>
-                  <a:txBody>
-                    <a:bodyPr/>
-                    <a:lstStyle/>
-                    <a:p>
-                      <a:r>
-                        <a:rPr lang="en-US" dirty="0"/>
-                        <a:t>…</a:t>
-                      </a:r>
+              <a:tr h="377878">
+                <a:tc>
+                  <a:txBody>
+                    <a:bodyPr/>
+                    <a:lstStyle/>
+                    <a:p>
+                      <a:endParaRPr lang="en-US" sz="1400" dirty="0"/>
+                    </a:p>
+                  </a:txBody>
+                  <a:tcPr/>
+                </a:tc>
+                <a:tc>
+                  <a:txBody>
+                    <a:bodyPr/>
+                    <a:lstStyle/>
+                    <a:p>
+                      <a:pPr marL="0" marR="0" indent="0" algn="l" defTabSz="914400" rtl="0" eaLnBrk="1" fontAlgn="auto" latinLnBrk="0" hangingPunct="1">
+                        <a:lnSpc>
+                          <a:spcPct val="100000"/>
+                        </a:lnSpc>
+                        <a:spcBef>
+                          <a:spcPts val="0"/>
+                        </a:spcBef>
+                        <a:spcAft>
+                          <a:spcPts val="0"/>
+                        </a:spcAft>
+                        <a:buClrTx/>
+                        <a:buSzTx/>
+                        <a:buFontTx/>
+                        <a:buNone/>
+                        <a:tabLst/>
+                        <a:defRPr/>
+                      </a:pPr>
+                      <a:r>
+                        <a:rPr lang="en-US" sz="1400" dirty="0" smtClean="0"/>
+                        <a:t>C</a:t>
+                      </a:r>
+                      <a:r>
+                        <a:rPr lang="en-US" sz="1400" baseline="0" dirty="0" smtClean="0"/>
+                        <a:t>=0.001, </a:t>
+                      </a:r>
+                      <a:r>
+                        <a:rPr lang="en-US" sz="1400" baseline="0" dirty="0" err="1" smtClean="0"/>
+                        <a:t>max_iter</a:t>
+                      </a:r>
+                      <a:r>
+                        <a:rPr lang="en-US" sz="1400" baseline="0" dirty="0" smtClean="0"/>
+                        <a:t>=1000, </a:t>
+                      </a:r>
+                      <a:r>
+                        <a:rPr lang="en-US" sz="1400" baseline="0" dirty="0" err="1" smtClean="0"/>
+                        <a:t>random_state</a:t>
+                      </a:r>
+                      <a:r>
+                        <a:rPr lang="en-US" sz="1400" baseline="0" dirty="0" smtClean="0"/>
+                        <a:t>=0, solver=‘sag’</a:t>
+                      </a:r>
+                      <a:endParaRPr lang="en-US" sz="1400" dirty="0" smtClean="0"/>
+                    </a:p>
+                  </a:txBody>
+                  <a:tcPr/>
+                </a:tc>
+                <a:tc>
+                  <a:txBody>
+                    <a:bodyPr/>
+                    <a:lstStyle/>
+                    <a:p>
+                      <a:r>
+                        <a:rPr kumimoji="0" lang="it-IT" sz="1400" kern="1200" dirty="0" smtClean="0">
+                          <a:solidFill>
+                            <a:schemeClr val="dk1"/>
+                          </a:solidFill>
+                          <a:latin typeface="+mn-lt"/>
+                          <a:ea typeface="+mn-ea"/>
+                          <a:cs typeface="+mn-cs"/>
+                        </a:rPr>
+                        <a:t>0.68132</a:t>
+                      </a:r>
+                      <a:endParaRPr lang="en-US" sz="1400" dirty="0"/>
                     </a:p>
                   </a:txBody>
                   <a:tcPr/>
@@ -4111,140 +5199,257 @@
                   </a:ext>
                 </a:extLst>
               </a:tr>
-              <a:tr h="370840">
-                <a:tc>
-                  <a:txBody>
-                    <a:bodyPr/>
-                    <a:lstStyle/>
-                    <a:p>
-                      <a:r>
-                        <a:rPr lang="en-US" dirty="0"/>
-                        <a:t>Multinomial NB</a:t>
-                      </a:r>
-                    </a:p>
-                  </a:txBody>
-                  <a:tcPr/>
-                </a:tc>
-                <a:tc>
-                  <a:txBody>
-                    <a:bodyPr/>
-                    <a:lstStyle/>
-                    <a:p>
-                      <a:r>
-                        <a:rPr lang="en-US" dirty="0"/>
-                        <a:t>alpha = 0.1</a:t>
-                      </a:r>
-                    </a:p>
-                  </a:txBody>
-                  <a:tcPr/>
-                </a:tc>
-                <a:tc>
-                  <a:txBody>
-                    <a:bodyPr/>
-                    <a:lstStyle/>
-                    <a:p>
-                      <a:r>
-                        <a:rPr lang="en-US" dirty="0"/>
-                        <a:t>…</a:t>
-                      </a:r>
-                    </a:p>
-                  </a:txBody>
-                  <a:tcPr/>
-                </a:tc>
-                <a:extLst>
-                  <a:ext uri="{0D108BD9-81ED-4DB2-BD59-A6C34878D82A}">
-                    <a16:rowId xmlns="" xmlns:a16="http://schemas.microsoft.com/office/drawing/2014/main" val="2386637827"/>
-                  </a:ext>
-                </a:extLst>
+              <a:tr h="368529">
+                <a:tc>
+                  <a:txBody>
+                    <a:bodyPr/>
+                    <a:lstStyle/>
+                    <a:p>
+                      <a:endParaRPr lang="en-US" sz="1400" dirty="0"/>
+                    </a:p>
+                  </a:txBody>
+                  <a:tcPr/>
+                </a:tc>
+                <a:tc>
+                  <a:txBody>
+                    <a:bodyPr/>
+                    <a:lstStyle/>
+                    <a:p>
+                      <a:pPr marL="0" marR="0" indent="0" algn="l" defTabSz="914400" rtl="0" eaLnBrk="1" fontAlgn="auto" latinLnBrk="0" hangingPunct="1">
+                        <a:lnSpc>
+                          <a:spcPct val="100000"/>
+                        </a:lnSpc>
+                        <a:spcBef>
+                          <a:spcPts val="0"/>
+                        </a:spcBef>
+                        <a:spcAft>
+                          <a:spcPts val="0"/>
+                        </a:spcAft>
+                        <a:buClrTx/>
+                        <a:buSzTx/>
+                        <a:buFontTx/>
+                        <a:buNone/>
+                        <a:tabLst/>
+                        <a:defRPr/>
+                      </a:pPr>
+                      <a:r>
+                        <a:rPr lang="en-US" sz="1400" dirty="0" smtClean="0"/>
+                        <a:t>C</a:t>
+                      </a:r>
+                      <a:r>
+                        <a:rPr lang="en-US" sz="1400" baseline="0" dirty="0" smtClean="0"/>
+                        <a:t>=0.002, </a:t>
+                      </a:r>
+                      <a:r>
+                        <a:rPr lang="en-US" sz="1400" baseline="0" dirty="0" err="1" smtClean="0"/>
+                        <a:t>max_iter</a:t>
+                      </a:r>
+                      <a:r>
+                        <a:rPr lang="en-US" sz="1400" baseline="0" dirty="0" smtClean="0"/>
+                        <a:t>=1000, </a:t>
+                      </a:r>
+                      <a:r>
+                        <a:rPr lang="en-US" sz="1400" baseline="0" dirty="0" err="1" smtClean="0"/>
+                        <a:t>random_state</a:t>
+                      </a:r>
+                      <a:r>
+                        <a:rPr lang="en-US" sz="1400" baseline="0" dirty="0" smtClean="0"/>
+                        <a:t>=0, solver=‘sag’</a:t>
+                      </a:r>
+                      <a:endParaRPr lang="en-US" sz="1400" dirty="0" smtClean="0"/>
+                    </a:p>
+                  </a:txBody>
+                  <a:tcPr/>
+                </a:tc>
+                <a:tc>
+                  <a:txBody>
+                    <a:bodyPr/>
+                    <a:lstStyle/>
+                    <a:p>
+                      <a:r>
+                        <a:rPr kumimoji="0" lang="it-IT" sz="1400" kern="1200" dirty="0" smtClean="0">
+                          <a:solidFill>
+                            <a:schemeClr val="dk1"/>
+                          </a:solidFill>
+                          <a:latin typeface="+mn-lt"/>
+                          <a:ea typeface="+mn-ea"/>
+                          <a:cs typeface="+mn-cs"/>
+                        </a:rPr>
+                        <a:t>0.68144</a:t>
+                      </a:r>
+                      <a:endParaRPr lang="en-US" sz="1400" dirty="0"/>
+                    </a:p>
+                  </a:txBody>
+                  <a:tcPr/>
+                </a:tc>
               </a:tr>
-              <a:tr h="370840">
-                <a:tc>
-                  <a:txBody>
-                    <a:bodyPr/>
-                    <a:lstStyle/>
-                    <a:p>
-                      <a:endParaRPr lang="en-US"/>
-                    </a:p>
-                  </a:txBody>
-                  <a:tcPr/>
-                </a:tc>
-                <a:tc>
-                  <a:txBody>
-                    <a:bodyPr/>
-                    <a:lstStyle/>
-                    <a:p>
-                      <a:r>
-                        <a:rPr lang="en-US" dirty="0"/>
-                        <a:t>alpha = 1</a:t>
-                      </a:r>
-                    </a:p>
-                  </a:txBody>
-                  <a:tcPr/>
-                </a:tc>
-                <a:tc>
-                  <a:txBody>
-                    <a:bodyPr/>
-                    <a:lstStyle/>
-                    <a:p>
-                      <a:r>
-                        <a:rPr lang="en-US" dirty="0"/>
-                        <a:t>…</a:t>
-                      </a:r>
-                    </a:p>
-                  </a:txBody>
-                  <a:tcPr/>
-                </a:tc>
-                <a:extLst>
-                  <a:ext uri="{0D108BD9-81ED-4DB2-BD59-A6C34878D82A}">
-                    <a16:rowId xmlns="" xmlns:a16="http://schemas.microsoft.com/office/drawing/2014/main" val="2337513982"/>
-                  </a:ext>
-                </a:extLst>
+              <a:tr h="347166">
+                <a:tc>
+                  <a:txBody>
+                    <a:bodyPr/>
+                    <a:lstStyle/>
+                    <a:p>
+                      <a:endParaRPr lang="en-US" sz="1400" dirty="0"/>
+                    </a:p>
+                  </a:txBody>
+                  <a:tcPr/>
+                </a:tc>
+                <a:tc>
+                  <a:txBody>
+                    <a:bodyPr/>
+                    <a:lstStyle/>
+                    <a:p>
+                      <a:pPr marL="0" marR="0" indent="0" algn="l" defTabSz="914400" rtl="0" eaLnBrk="1" fontAlgn="auto" latinLnBrk="0" hangingPunct="1">
+                        <a:lnSpc>
+                          <a:spcPct val="100000"/>
+                        </a:lnSpc>
+                        <a:spcBef>
+                          <a:spcPts val="0"/>
+                        </a:spcBef>
+                        <a:spcAft>
+                          <a:spcPts val="0"/>
+                        </a:spcAft>
+                        <a:buClrTx/>
+                        <a:buSzTx/>
+                        <a:buFontTx/>
+                        <a:buNone/>
+                        <a:tabLst/>
+                        <a:defRPr/>
+                      </a:pPr>
+                      <a:r>
+                        <a:rPr lang="en-US" sz="1400" dirty="0" smtClean="0"/>
+                        <a:t>C</a:t>
+                      </a:r>
+                      <a:r>
+                        <a:rPr lang="en-US" sz="1400" baseline="0" dirty="0" smtClean="0"/>
+                        <a:t>=0.0001, </a:t>
+                      </a:r>
+                      <a:r>
+                        <a:rPr lang="en-US" sz="1400" baseline="0" dirty="0" err="1" smtClean="0"/>
+                        <a:t>max_iter</a:t>
+                      </a:r>
+                      <a:r>
+                        <a:rPr lang="en-US" sz="1400" baseline="0" dirty="0" smtClean="0"/>
+                        <a:t>=1000, </a:t>
+                      </a:r>
+                      <a:r>
+                        <a:rPr lang="en-US" sz="1400" baseline="0" dirty="0" err="1" smtClean="0"/>
+                        <a:t>random_state</a:t>
+                      </a:r>
+                      <a:r>
+                        <a:rPr lang="en-US" sz="1400" baseline="0" dirty="0" smtClean="0"/>
+                        <a:t>=0, solver=‘sag’</a:t>
+                      </a:r>
+                      <a:endParaRPr lang="en-US" sz="1400" dirty="0" smtClean="0"/>
+                    </a:p>
+                  </a:txBody>
+                  <a:tcPr/>
+                </a:tc>
+                <a:tc>
+                  <a:txBody>
+                    <a:bodyPr/>
+                    <a:lstStyle/>
+                    <a:p>
+                      <a:r>
+                        <a:rPr kumimoji="0" lang="it-IT" sz="1400" kern="1200" dirty="0" smtClean="0">
+                          <a:solidFill>
+                            <a:schemeClr val="dk1"/>
+                          </a:solidFill>
+                          <a:latin typeface="+mn-lt"/>
+                          <a:ea typeface="+mn-ea"/>
+                          <a:cs typeface="+mn-cs"/>
+                        </a:rPr>
+                        <a:t>0.68144</a:t>
+                      </a:r>
+                      <a:endParaRPr lang="en-US" sz="1400" dirty="0"/>
+                    </a:p>
+                  </a:txBody>
+                  <a:tcPr/>
+                </a:tc>
               </a:tr>
-              <a:tr h="370840">
-                <a:tc>
-                  <a:txBody>
-                    <a:bodyPr/>
-                    <a:lstStyle/>
-                    <a:p>
-                      <a:r>
-                        <a:rPr lang="en-US" dirty="0"/>
-                        <a:t>…</a:t>
-                      </a:r>
-                    </a:p>
-                  </a:txBody>
-                  <a:tcPr/>
-                </a:tc>
-                <a:tc>
-                  <a:txBody>
-                    <a:bodyPr/>
-                    <a:lstStyle/>
-                    <a:p>
-                      <a:r>
-                        <a:rPr lang="en-US" dirty="0"/>
-                        <a:t>…</a:t>
-                      </a:r>
-                    </a:p>
-                  </a:txBody>
-                  <a:tcPr/>
-                </a:tc>
-                <a:tc>
-                  <a:txBody>
-                    <a:bodyPr/>
-                    <a:lstStyle/>
-                    <a:p>
-                      <a:r>
-                        <a:rPr lang="en-US" dirty="0"/>
-                        <a:t>…</a:t>
-                      </a:r>
-                    </a:p>
-                  </a:txBody>
-                  <a:tcPr/>
-                </a:tc>
-                <a:extLst>
-                  <a:ext uri="{0D108BD9-81ED-4DB2-BD59-A6C34878D82A}">
-                    <a16:rowId xmlns="" xmlns:a16="http://schemas.microsoft.com/office/drawing/2014/main" val="219461074"/>
-                  </a:ext>
-                </a:extLst>
+              <a:tr h="590182">
+                <a:tc>
+                  <a:txBody>
+                    <a:bodyPr/>
+                    <a:lstStyle/>
+                    <a:p>
+                      <a:endParaRPr lang="en-US" sz="1400" dirty="0"/>
+                    </a:p>
+                  </a:txBody>
+                  <a:tcPr/>
+                </a:tc>
+                <a:tc>
+                  <a:txBody>
+                    <a:bodyPr/>
+                    <a:lstStyle/>
+                    <a:p>
+                      <a:pPr marL="0" marR="0" indent="0" algn="l" defTabSz="914400" rtl="0" eaLnBrk="1" fontAlgn="auto" latinLnBrk="0" hangingPunct="1">
+                        <a:lnSpc>
+                          <a:spcPct val="100000"/>
+                        </a:lnSpc>
+                        <a:spcBef>
+                          <a:spcPts val="0"/>
+                        </a:spcBef>
+                        <a:spcAft>
+                          <a:spcPts val="0"/>
+                        </a:spcAft>
+                        <a:buClrTx/>
+                        <a:buSzTx/>
+                        <a:buFontTx/>
+                        <a:buNone/>
+                        <a:tabLst/>
+                        <a:defRPr/>
+                      </a:pPr>
+                      <a:r>
+                        <a:rPr lang="en-US" sz="1400" dirty="0" smtClean="0"/>
+                        <a:t>C</a:t>
+                      </a:r>
+                      <a:r>
+                        <a:rPr lang="en-US" sz="1400" baseline="0" dirty="0" smtClean="0"/>
+                        <a:t>=0.00001, </a:t>
+                      </a:r>
+                      <a:r>
+                        <a:rPr lang="en-US" sz="1400" baseline="0" dirty="0" err="1" smtClean="0"/>
+                        <a:t>max_iter</a:t>
+                      </a:r>
+                      <a:r>
+                        <a:rPr lang="en-US" sz="1400" baseline="0" dirty="0" smtClean="0"/>
+                        <a:t>=1000, </a:t>
+                      </a:r>
+                      <a:r>
+                        <a:rPr lang="en-US" sz="1400" baseline="0" dirty="0" err="1" smtClean="0"/>
+                        <a:t>random_state</a:t>
+                      </a:r>
+                      <a:r>
+                        <a:rPr lang="en-US" sz="1400" baseline="0" dirty="0" smtClean="0"/>
+                        <a:t>=0, solver=‘sag’</a:t>
+                      </a:r>
+                      <a:endParaRPr lang="en-US" sz="1400" dirty="0" smtClean="0"/>
+                    </a:p>
+                  </a:txBody>
+                  <a:tcPr/>
+                </a:tc>
+                <a:tc>
+                  <a:txBody>
+                    <a:bodyPr/>
+                    <a:lstStyle/>
+                    <a:p>
+                      <a:r>
+                        <a:rPr kumimoji="0" lang="nb-NO" sz="1400" kern="1200" dirty="0" smtClean="0">
+                          <a:solidFill>
+                            <a:schemeClr val="dk1"/>
+                          </a:solidFill>
+                          <a:latin typeface="+mn-lt"/>
+                          <a:ea typeface="+mn-ea"/>
+                          <a:cs typeface="+mn-cs"/>
+                        </a:rPr>
+                        <a:t>0.63100</a:t>
+                      </a:r>
+                      <a:endParaRPr lang="en-US" sz="1400" dirty="0"/>
+                    </a:p>
+                  </a:txBody>
+                  <a:tcPr/>
+                </a:tc>
               </a:tr>
             </a:tbl>
           </a:graphicData>
@@ -4272,64 +5477,6 @@
               <a:t>8</a:t>
             </a:fld>
             <a:endParaRPr kumimoji="0" lang="en-US"/>
-          </a:p>
-        </p:txBody>
-      </p:sp>
-      <p:sp>
-        <p:nvSpPr>
-          <p:cNvPr id="6" name="TextBox 5"/>
-          <p:cNvSpPr txBox="1"/>
-          <p:nvPr/>
-        </p:nvSpPr>
-        <p:spPr>
-          <a:xfrm>
-            <a:off x="1828800" y="5997070"/>
-            <a:ext cx="4559261" cy="369332"/>
-          </a:xfrm>
-          <a:prstGeom prst="rect">
-            <a:avLst/>
-          </a:prstGeom>
-          <a:noFill/>
-        </p:spPr>
-        <p:txBody>
-          <a:bodyPr wrap="none" rtlCol="0">
-            <a:spAutoFit/>
-          </a:bodyPr>
-          <a:lstStyle/>
-          <a:p>
-            <a:r>
-              <a:rPr lang="en-US" dirty="0"/>
-              <a:t>Best model and parameter setting was …</a:t>
-            </a:r>
-          </a:p>
-        </p:txBody>
-      </p:sp>
-      <p:sp>
-        <p:nvSpPr>
-          <p:cNvPr id="7" name="TextBox 6"/>
-          <p:cNvSpPr txBox="1"/>
-          <p:nvPr/>
-        </p:nvSpPr>
-        <p:spPr>
-          <a:xfrm>
-            <a:off x="2573394" y="1290766"/>
-            <a:ext cx="3070071" cy="369332"/>
-          </a:xfrm>
-          <a:prstGeom prst="rect">
-            <a:avLst/>
-          </a:prstGeom>
-          <a:noFill/>
-        </p:spPr>
-        <p:txBody>
-          <a:bodyPr wrap="none" rtlCol="0">
-            <a:spAutoFit/>
-          </a:bodyPr>
-          <a:lstStyle/>
-          <a:p>
-            <a:r>
-              <a:rPr lang="en-US" dirty="0"/>
-              <a:t>&lt;here is an example table&gt;</a:t>
-            </a:r>
           </a:p>
         </p:txBody>
       </p:sp>
@@ -4380,67 +5527,903 @@
           <a:p>
             <a:r>
               <a:rPr lang="en-US" dirty="0"/>
-              <a:t>Top Features</a:t>
-            </a:r>
-          </a:p>
-        </p:txBody>
-      </p:sp>
-      <p:sp>
-        <p:nvSpPr>
-          <p:cNvPr id="3" name="Content Placeholder 2"/>
-          <p:cNvSpPr>
-            <a:spLocks noGrp="1"/>
-          </p:cNvSpPr>
+              <a:t>Model Selection Results</a:t>
+            </a:r>
+          </a:p>
+        </p:txBody>
+      </p:sp>
+      <p:graphicFrame>
+        <p:nvGraphicFramePr>
+          <p:cNvPr id="5" name="Content Placeholder 4"/>
+          <p:cNvGraphicFramePr>
+            <a:graphicFrameLocks noGrp="1"/>
+          </p:cNvGraphicFramePr>
           <p:nvPr>
             <p:ph sz="quarter" idx="1"/>
+            <p:extLst>
+              <p:ext uri="{D42A27DB-BD31-4B8C-83A1-F6EECF244321}">
+                <p14:modId xmlns:p14="http://schemas.microsoft.com/office/powerpoint/2010/main" val="1932074207"/>
+              </p:ext>
+            </p:extLst>
           </p:nvPr>
-        </p:nvSpPr>
-        <p:spPr/>
-        <p:txBody>
-          <a:bodyPr/>
-          <a:lstStyle/>
-          <a:p>
-            <a:r>
-              <a:rPr lang="en-US" dirty="0"/>
-              <a:t>&lt;Based on your model, what were the top features. Here is an example&gt;</a:t>
-            </a:r>
-          </a:p>
-          <a:p>
-            <a:r>
-              <a:rPr lang="en-US" dirty="0"/>
-              <a:t>Based on my model, which is … (see previous slide), top features for</a:t>
-            </a:r>
-          </a:p>
-          <a:p>
-            <a:pPr lvl="1"/>
-            <a:r>
-              <a:rPr lang="en-US" dirty="0"/>
-              <a:t>Republican class</a:t>
-            </a:r>
-          </a:p>
-          <a:p>
-            <a:pPr lvl="2"/>
-            <a:r>
-              <a:rPr lang="en-US" dirty="0"/>
-              <a:t>…</a:t>
-            </a:r>
-          </a:p>
-          <a:p>
-            <a:pPr lvl="1"/>
-            <a:r>
-              <a:rPr lang="en-US" dirty="0"/>
-              <a:t>Democrat class</a:t>
-            </a:r>
-          </a:p>
-          <a:p>
-            <a:pPr lvl="2"/>
-            <a:r>
-              <a:rPr lang="en-US" dirty="0"/>
-              <a:t>…</a:t>
-            </a:r>
-          </a:p>
-        </p:txBody>
-      </p:sp>
+        </p:nvGraphicFramePr>
+        <p:xfrm>
+          <a:off x="457200" y="1430776"/>
+          <a:ext cx="7467600" cy="5273040"/>
+        </p:xfrm>
+        <a:graphic>
+          <a:graphicData uri="http://schemas.openxmlformats.org/drawingml/2006/table">
+            <a:tbl>
+              <a:tblPr firstRow="1" bandRow="1">
+                <a:tableStyleId>{5C22544A-7EE6-4342-B048-85BDC9FD1C3A}</a:tableStyleId>
+              </a:tblPr>
+              <a:tblGrid>
+                <a:gridCol w="1676400">
+                  <a:extLst>
+                    <a:ext uri="{9D8B030D-6E8A-4147-A177-3AD203B41FA5}">
+                      <a16:colId xmlns="" xmlns:a16="http://schemas.microsoft.com/office/drawing/2014/main" val="3030602544"/>
+                    </a:ext>
+                  </a:extLst>
+                </a:gridCol>
+                <a:gridCol w="4038600">
+                  <a:extLst>
+                    <a:ext uri="{9D8B030D-6E8A-4147-A177-3AD203B41FA5}">
+                      <a16:colId xmlns="" xmlns:a16="http://schemas.microsoft.com/office/drawing/2014/main" val="2590406836"/>
+                    </a:ext>
+                  </a:extLst>
+                </a:gridCol>
+                <a:gridCol w="1752600">
+                  <a:extLst>
+                    <a:ext uri="{9D8B030D-6E8A-4147-A177-3AD203B41FA5}">
+                      <a16:colId xmlns="" xmlns:a16="http://schemas.microsoft.com/office/drawing/2014/main" val="2422119549"/>
+                    </a:ext>
+                  </a:extLst>
+                </a:gridCol>
+              </a:tblGrid>
+              <a:tr h="215705">
+                <a:tc>
+                  <a:txBody>
+                    <a:bodyPr/>
+                    <a:lstStyle/>
+                    <a:p>
+                      <a:r>
+                        <a:rPr lang="en-US" dirty="0"/>
+                        <a:t>Model</a:t>
+                      </a:r>
+                    </a:p>
+                  </a:txBody>
+                  <a:tcPr/>
+                </a:tc>
+                <a:tc>
+                  <a:txBody>
+                    <a:bodyPr/>
+                    <a:lstStyle/>
+                    <a:p>
+                      <a:r>
+                        <a:rPr lang="en-US" dirty="0"/>
+                        <a:t>Parameters</a:t>
+                      </a:r>
+                    </a:p>
+                  </a:txBody>
+                  <a:tcPr/>
+                </a:tc>
+                <a:tc>
+                  <a:txBody>
+                    <a:bodyPr/>
+                    <a:lstStyle/>
+                    <a:p>
+                      <a:r>
+                        <a:rPr lang="en-US" dirty="0"/>
+                        <a:t>Performance</a:t>
+                      </a:r>
+                    </a:p>
+                  </a:txBody>
+                  <a:tcPr/>
+                </a:tc>
+                <a:extLst>
+                  <a:ext uri="{0D108BD9-81ED-4DB2-BD59-A6C34878D82A}">
+                    <a16:rowId xmlns="" xmlns:a16="http://schemas.microsoft.com/office/drawing/2014/main" val="87940141"/>
+                  </a:ext>
+                </a:extLst>
+              </a:tr>
+              <a:tr h="215705">
+                <a:tc>
+                  <a:txBody>
+                    <a:bodyPr/>
+                    <a:lstStyle/>
+                    <a:p>
+                      <a:r>
+                        <a:rPr lang="en-US" sz="1400" dirty="0" smtClean="0"/>
+                        <a:t>Decision Tree</a:t>
+                      </a:r>
+                      <a:endParaRPr lang="en-US" sz="1400" dirty="0"/>
+                    </a:p>
+                  </a:txBody>
+                  <a:tcPr/>
+                </a:tc>
+                <a:tc>
+                  <a:txBody>
+                    <a:bodyPr/>
+                    <a:lstStyle/>
+                    <a:p>
+                      <a:r>
+                        <a:rPr lang="en-US" sz="1400" dirty="0" smtClean="0"/>
+                        <a:t>Default</a:t>
+                      </a:r>
+                      <a:endParaRPr lang="en-US" sz="1400" dirty="0"/>
+                    </a:p>
+                  </a:txBody>
+                  <a:tcPr/>
+                </a:tc>
+                <a:tc>
+                  <a:txBody>
+                    <a:bodyPr/>
+                    <a:lstStyle/>
+                    <a:p>
+                      <a:r>
+                        <a:rPr kumimoji="0" lang="nb-NO" sz="1400" kern="1200" dirty="0" smtClean="0">
+                          <a:solidFill>
+                            <a:schemeClr val="dk1"/>
+                          </a:solidFill>
+                          <a:latin typeface="+mn-lt"/>
+                          <a:ea typeface="+mn-ea"/>
+                          <a:cs typeface="+mn-cs"/>
+                        </a:rPr>
+                        <a:t>0.99963</a:t>
+                      </a:r>
+                      <a:endParaRPr lang="en-US" sz="1400" dirty="0"/>
+                    </a:p>
+                  </a:txBody>
+                  <a:tcPr/>
+                </a:tc>
+                <a:extLst>
+                  <a:ext uri="{0D108BD9-81ED-4DB2-BD59-A6C34878D82A}">
+                    <a16:rowId xmlns="" xmlns:a16="http://schemas.microsoft.com/office/drawing/2014/main" val="2082379726"/>
+                  </a:ext>
+                </a:extLst>
+              </a:tr>
+              <a:tr h="215705">
+                <a:tc>
+                  <a:txBody>
+                    <a:bodyPr/>
+                    <a:lstStyle/>
+                    <a:p>
+                      <a:endParaRPr lang="en-US" sz="1400" dirty="0"/>
+                    </a:p>
+                  </a:txBody>
+                  <a:tcPr/>
+                </a:tc>
+                <a:tc>
+                  <a:txBody>
+                    <a:bodyPr/>
+                    <a:lstStyle/>
+                    <a:p>
+                      <a:endParaRPr lang="en-US" sz="1400" dirty="0"/>
+                    </a:p>
+                  </a:txBody>
+                  <a:tcPr/>
+                </a:tc>
+                <a:tc>
+                  <a:txBody>
+                    <a:bodyPr/>
+                    <a:lstStyle/>
+                    <a:p>
+                      <a:endParaRPr lang="en-US" sz="1400" dirty="0"/>
+                    </a:p>
+                  </a:txBody>
+                  <a:tcPr/>
+                </a:tc>
+                <a:extLst>
+                  <a:ext uri="{0D108BD9-81ED-4DB2-BD59-A6C34878D82A}">
+                    <a16:rowId xmlns="" xmlns:a16="http://schemas.microsoft.com/office/drawing/2014/main" val="2507870546"/>
+                  </a:ext>
+                </a:extLst>
+              </a:tr>
+              <a:tr h="539262">
+                <a:tc>
+                  <a:txBody>
+                    <a:bodyPr/>
+                    <a:lstStyle/>
+                    <a:p>
+                      <a:r>
+                        <a:rPr lang="en-US" sz="1400" dirty="0" smtClean="0"/>
+                        <a:t>Gaussian Naïve Bayes</a:t>
+                      </a:r>
+                      <a:endParaRPr lang="en-US" sz="1400" dirty="0"/>
+                    </a:p>
+                  </a:txBody>
+                  <a:tcPr/>
+                </a:tc>
+                <a:tc>
+                  <a:txBody>
+                    <a:bodyPr/>
+                    <a:lstStyle/>
+                    <a:p>
+                      <a:r>
+                        <a:rPr lang="en-US" sz="1400" dirty="0" smtClean="0"/>
+                        <a:t>Default</a:t>
+                      </a:r>
+                      <a:endParaRPr lang="en-US" sz="1400" dirty="0"/>
+                    </a:p>
+                  </a:txBody>
+                  <a:tcPr/>
+                </a:tc>
+                <a:tc>
+                  <a:txBody>
+                    <a:bodyPr/>
+                    <a:lstStyle/>
+                    <a:p>
+                      <a:r>
+                        <a:rPr kumimoji="0" lang="it-IT" sz="1400" kern="1200" dirty="0" smtClean="0">
+                          <a:solidFill>
+                            <a:schemeClr val="dk1"/>
+                          </a:solidFill>
+                          <a:latin typeface="+mn-lt"/>
+                          <a:ea typeface="+mn-ea"/>
+                          <a:cs typeface="+mn-cs"/>
+                        </a:rPr>
+                        <a:t>0.69467</a:t>
+                      </a:r>
+                      <a:endParaRPr lang="en-US" sz="1400" dirty="0"/>
+                    </a:p>
+                  </a:txBody>
+                  <a:tcPr/>
+                </a:tc>
+                <a:extLst>
+                  <a:ext uri="{0D108BD9-81ED-4DB2-BD59-A6C34878D82A}">
+                    <a16:rowId xmlns="" xmlns:a16="http://schemas.microsoft.com/office/drawing/2014/main" val="3516908593"/>
+                  </a:ext>
+                </a:extLst>
+              </a:tr>
+              <a:tr h="178802">
+                <a:tc>
+                  <a:txBody>
+                    <a:bodyPr/>
+                    <a:lstStyle/>
+                    <a:p>
+                      <a:endParaRPr lang="en-US" sz="1400" dirty="0"/>
+                    </a:p>
+                  </a:txBody>
+                  <a:tcPr/>
+                </a:tc>
+                <a:tc>
+                  <a:txBody>
+                    <a:bodyPr/>
+                    <a:lstStyle/>
+                    <a:p>
+                      <a:pPr marL="0" marR="0" lvl="0" indent="0" algn="l" defTabSz="914400" rtl="0" eaLnBrk="1" fontAlgn="auto" latinLnBrk="0" hangingPunct="1">
+                        <a:lnSpc>
+                          <a:spcPct val="100000"/>
+                        </a:lnSpc>
+                        <a:spcBef>
+                          <a:spcPts val="0"/>
+                        </a:spcBef>
+                        <a:spcAft>
+                          <a:spcPts val="0"/>
+                        </a:spcAft>
+                        <a:buClrTx/>
+                        <a:buSzTx/>
+                        <a:buFontTx/>
+                        <a:buNone/>
+                        <a:tabLst/>
+                        <a:defRPr/>
+                      </a:pPr>
+                      <a:endParaRPr lang="en-US" sz="1400" dirty="0"/>
+                    </a:p>
+                  </a:txBody>
+                  <a:tcPr/>
+                </a:tc>
+                <a:tc>
+                  <a:txBody>
+                    <a:bodyPr/>
+                    <a:lstStyle/>
+                    <a:p>
+                      <a:endParaRPr lang="en-US" sz="1400" dirty="0"/>
+                    </a:p>
+                  </a:txBody>
+                  <a:tcPr/>
+                </a:tc>
+                <a:extLst>
+                  <a:ext uri="{0D108BD9-81ED-4DB2-BD59-A6C34878D82A}">
+                    <a16:rowId xmlns="" xmlns:a16="http://schemas.microsoft.com/office/drawing/2014/main" val="2199381540"/>
+                  </a:ext>
+                </a:extLst>
+              </a:tr>
+              <a:tr h="771378">
+                <a:tc>
+                  <a:txBody>
+                    <a:bodyPr/>
+                    <a:lstStyle/>
+                    <a:p>
+                      <a:r>
+                        <a:rPr lang="en-US" sz="1400" dirty="0" err="1" smtClean="0"/>
+                        <a:t>MLPClassifier</a:t>
+                      </a:r>
+                      <a:endParaRPr lang="en-US" sz="1400" dirty="0"/>
+                    </a:p>
+                  </a:txBody>
+                  <a:tcPr/>
+                </a:tc>
+                <a:tc>
+                  <a:txBody>
+                    <a:bodyPr/>
+                    <a:lstStyle/>
+                    <a:p>
+                      <a:pPr marL="0" marR="0" indent="0" algn="l" defTabSz="914400" rtl="0" eaLnBrk="1" fontAlgn="auto" latinLnBrk="0" hangingPunct="1">
+                        <a:lnSpc>
+                          <a:spcPct val="100000"/>
+                        </a:lnSpc>
+                        <a:spcBef>
+                          <a:spcPts val="0"/>
+                        </a:spcBef>
+                        <a:spcAft>
+                          <a:spcPts val="0"/>
+                        </a:spcAft>
+                        <a:buClrTx/>
+                        <a:buSzTx/>
+                        <a:buFontTx/>
+                        <a:buNone/>
+                        <a:tabLst/>
+                        <a:defRPr/>
+                      </a:pPr>
+                      <a:r>
+                        <a:rPr kumimoji="0" lang="en-US" sz="1400" kern="1200" dirty="0" smtClean="0">
+                          <a:solidFill>
+                            <a:schemeClr val="dk1"/>
+                          </a:solidFill>
+                          <a:latin typeface="+mn-lt"/>
+                          <a:ea typeface="+mn-ea"/>
+                          <a:cs typeface="+mn-cs"/>
+                        </a:rPr>
+                        <a:t>activation = '</a:t>
+                      </a:r>
+                      <a:r>
+                        <a:rPr kumimoji="0" lang="en-US" sz="1400" kern="1200" dirty="0" err="1" smtClean="0">
+                          <a:solidFill>
+                            <a:schemeClr val="dk1"/>
+                          </a:solidFill>
+                          <a:latin typeface="+mn-lt"/>
+                          <a:ea typeface="+mn-ea"/>
+                          <a:cs typeface="+mn-cs"/>
+                        </a:rPr>
+                        <a:t>relu</a:t>
+                      </a:r>
+                      <a:r>
+                        <a:rPr kumimoji="0" lang="en-US" sz="1400" kern="1200" dirty="0" smtClean="0">
+                          <a:solidFill>
+                            <a:schemeClr val="dk1"/>
+                          </a:solidFill>
+                          <a:latin typeface="+mn-lt"/>
+                          <a:ea typeface="+mn-ea"/>
+                          <a:cs typeface="+mn-cs"/>
+                        </a:rPr>
+                        <a:t>’,</a:t>
+                      </a:r>
+                      <a:r>
+                        <a:rPr kumimoji="0" lang="en-US" sz="1400" kern="1200" baseline="0" dirty="0" smtClean="0">
+                          <a:solidFill>
+                            <a:schemeClr val="dk1"/>
+                          </a:solidFill>
+                          <a:latin typeface="+mn-lt"/>
+                          <a:ea typeface="+mn-ea"/>
+                          <a:cs typeface="+mn-cs"/>
+                        </a:rPr>
+                        <a:t> </a:t>
+                      </a:r>
+                      <a:r>
+                        <a:rPr lang="en-US" sz="1400" dirty="0" err="1" smtClean="0"/>
+                        <a:t>learning_rate_init</a:t>
+                      </a:r>
+                      <a:r>
+                        <a:rPr lang="en-US" sz="1400" baseline="0" dirty="0" smtClean="0"/>
+                        <a:t> = 0.006, alpha = 0.1, </a:t>
+                      </a:r>
+                      <a:r>
+                        <a:rPr lang="en-US" sz="1400" baseline="0" dirty="0" err="1" smtClean="0"/>
+                        <a:t>hidden_layer</a:t>
+                      </a:r>
+                      <a:r>
+                        <a:rPr lang="en-US" sz="1400" baseline="0" dirty="0" smtClean="0"/>
+                        <a:t> = (5,5,5)</a:t>
+                      </a:r>
+                    </a:p>
+                    <a:p>
+                      <a:pPr marL="0" marR="0" indent="0" algn="l" defTabSz="914400" rtl="0" eaLnBrk="1" fontAlgn="auto" latinLnBrk="0" hangingPunct="1">
+                        <a:lnSpc>
+                          <a:spcPct val="100000"/>
+                        </a:lnSpc>
+                        <a:spcBef>
+                          <a:spcPts val="0"/>
+                        </a:spcBef>
+                        <a:spcAft>
+                          <a:spcPts val="0"/>
+                        </a:spcAft>
+                        <a:buClrTx/>
+                        <a:buSzTx/>
+                        <a:buFontTx/>
+                        <a:buNone/>
+                        <a:tabLst/>
+                        <a:defRPr/>
+                      </a:pPr>
+                      <a:r>
+                        <a:rPr lang="en-US" sz="1400" baseline="0" dirty="0" smtClean="0"/>
+                        <a:t>(*Best Case)</a:t>
+                      </a:r>
+                      <a:endParaRPr lang="en-US" sz="1400" dirty="0" smtClean="0"/>
+                    </a:p>
+                  </a:txBody>
+                  <a:tcPr/>
+                </a:tc>
+                <a:tc>
+                  <a:txBody>
+                    <a:bodyPr/>
+                    <a:lstStyle/>
+                    <a:p>
+                      <a:r>
+                        <a:rPr kumimoji="0" lang="nb-NO" sz="1400" b="0" kern="1200" dirty="0" smtClean="0">
+                          <a:solidFill>
+                            <a:schemeClr val="dk1"/>
+                          </a:solidFill>
+                          <a:latin typeface="+mn-lt"/>
+                          <a:ea typeface="+mn-ea"/>
+                          <a:cs typeface="+mn-cs"/>
+                        </a:rPr>
+                        <a:t>0.76984</a:t>
+                      </a:r>
+                      <a:endParaRPr lang="en-US" sz="1400" b="0" dirty="0"/>
+                    </a:p>
+                  </a:txBody>
+                  <a:tcPr/>
+                </a:tc>
+                <a:extLst>
+                  <a:ext uri="{0D108BD9-81ED-4DB2-BD59-A6C34878D82A}">
+                    <a16:rowId xmlns="" xmlns:a16="http://schemas.microsoft.com/office/drawing/2014/main" val="1016044518"/>
+                  </a:ext>
+                </a:extLst>
+              </a:tr>
+              <a:tr h="215705">
+                <a:tc>
+                  <a:txBody>
+                    <a:bodyPr/>
+                    <a:lstStyle/>
+                    <a:p>
+                      <a:endParaRPr lang="en-US" sz="1400"/>
+                    </a:p>
+                  </a:txBody>
+                  <a:tcPr/>
+                </a:tc>
+                <a:tc>
+                  <a:txBody>
+                    <a:bodyPr/>
+                    <a:lstStyle/>
+                    <a:p>
+                      <a:r>
+                        <a:rPr lang="en-US" sz="1400" dirty="0" smtClean="0"/>
+                        <a:t>P.S.</a:t>
+                      </a:r>
+                      <a:r>
+                        <a:rPr lang="en-US" sz="1400" baseline="0" dirty="0" smtClean="0"/>
+                        <a:t> </a:t>
+                      </a:r>
+                      <a:endParaRPr lang="en-US" sz="1400" dirty="0"/>
+                    </a:p>
+                  </a:txBody>
+                  <a:tcPr/>
+                </a:tc>
+                <a:tc>
+                  <a:txBody>
+                    <a:bodyPr/>
+                    <a:lstStyle/>
+                    <a:p>
+                      <a:pPr marL="0" marR="0" indent="0" algn="l" defTabSz="914400" rtl="0" eaLnBrk="1" fontAlgn="auto" latinLnBrk="0" hangingPunct="1">
+                        <a:lnSpc>
+                          <a:spcPct val="100000"/>
+                        </a:lnSpc>
+                        <a:spcBef>
+                          <a:spcPts val="0"/>
+                        </a:spcBef>
+                        <a:spcAft>
+                          <a:spcPts val="0"/>
+                        </a:spcAft>
+                        <a:buClrTx/>
+                        <a:buSzTx/>
+                        <a:buFontTx/>
+                        <a:buNone/>
+                        <a:tabLst/>
+                        <a:defRPr/>
+                      </a:pPr>
+                      <a:endParaRPr lang="en-US" sz="1400" dirty="0"/>
+                    </a:p>
+                  </a:txBody>
+                  <a:tcPr/>
+                </a:tc>
+                <a:extLst>
+                  <a:ext uri="{0D108BD9-81ED-4DB2-BD59-A6C34878D82A}">
+                    <a16:rowId xmlns="" xmlns:a16="http://schemas.microsoft.com/office/drawing/2014/main" val="3637674884"/>
+                  </a:ext>
+                </a:extLst>
+              </a:tr>
+              <a:tr h="228600">
+                <a:tc>
+                  <a:txBody>
+                    <a:bodyPr/>
+                    <a:lstStyle/>
+                    <a:p>
+                      <a:endParaRPr lang="en-US" sz="1400" dirty="0"/>
+                    </a:p>
+                  </a:txBody>
+                  <a:tcPr/>
+                </a:tc>
+                <a:tc>
+                  <a:txBody>
+                    <a:bodyPr/>
+                    <a:lstStyle/>
+                    <a:p>
+                      <a:pPr marL="0" marR="0" indent="0" algn="l" defTabSz="914400" rtl="0" eaLnBrk="1" fontAlgn="auto" latinLnBrk="0" hangingPunct="1">
+                        <a:lnSpc>
+                          <a:spcPct val="100000"/>
+                        </a:lnSpc>
+                        <a:spcBef>
+                          <a:spcPts val="0"/>
+                        </a:spcBef>
+                        <a:spcAft>
+                          <a:spcPts val="0"/>
+                        </a:spcAft>
+                        <a:buClrTx/>
+                        <a:buSzTx/>
+                        <a:buFontTx/>
+                        <a:buNone/>
+                        <a:tabLst/>
+                        <a:defRPr/>
+                      </a:pPr>
+                      <a:endParaRPr lang="en-US" sz="1400" dirty="0" smtClean="0"/>
+                    </a:p>
+                  </a:txBody>
+                  <a:tcPr/>
+                </a:tc>
+                <a:tc>
+                  <a:txBody>
+                    <a:bodyPr/>
+                    <a:lstStyle/>
+                    <a:p>
+                      <a:endParaRPr lang="en-US" sz="1400" dirty="0"/>
+                    </a:p>
+                  </a:txBody>
+                  <a:tcPr/>
+                </a:tc>
+                <a:extLst>
+                  <a:ext uri="{0D108BD9-81ED-4DB2-BD59-A6C34878D82A}">
+                    <a16:rowId xmlns="" xmlns:a16="http://schemas.microsoft.com/office/drawing/2014/main" val="3742295242"/>
+                  </a:ext>
+                </a:extLst>
+              </a:tr>
+              <a:tr h="493542">
+                <a:tc>
+                  <a:txBody>
+                    <a:bodyPr/>
+                    <a:lstStyle/>
+                    <a:p>
+                      <a:r>
+                        <a:rPr lang="en-US" sz="1400" dirty="0" smtClean="0"/>
+                        <a:t>Support Vector Machines (SVM)</a:t>
+                      </a:r>
+                      <a:endParaRPr lang="en-US" sz="1400" dirty="0"/>
+                    </a:p>
+                  </a:txBody>
+                  <a:tcPr/>
+                </a:tc>
+                <a:tc>
+                  <a:txBody>
+                    <a:bodyPr/>
+                    <a:lstStyle/>
+                    <a:p>
+                      <a:pPr marL="0" marR="0" indent="0" algn="l" defTabSz="914400" rtl="0" eaLnBrk="1" fontAlgn="auto" latinLnBrk="0" hangingPunct="1">
+                        <a:lnSpc>
+                          <a:spcPct val="100000"/>
+                        </a:lnSpc>
+                        <a:spcBef>
+                          <a:spcPts val="0"/>
+                        </a:spcBef>
+                        <a:spcAft>
+                          <a:spcPts val="0"/>
+                        </a:spcAft>
+                        <a:buClrTx/>
+                        <a:buSzTx/>
+                        <a:buFontTx/>
+                        <a:buNone/>
+                        <a:tabLst/>
+                        <a:defRPr/>
+                      </a:pPr>
+                      <a:r>
+                        <a:rPr lang="en-US" sz="1400" dirty="0" err="1" smtClean="0"/>
+                        <a:t>cache_size</a:t>
+                      </a:r>
+                      <a:r>
+                        <a:rPr lang="en-US" sz="1400" dirty="0" smtClean="0"/>
+                        <a:t>=1000, kernel=‘linear,</a:t>
+                      </a:r>
+                      <a:r>
+                        <a:rPr lang="en-US" sz="1400" baseline="0" dirty="0" smtClean="0"/>
+                        <a:t> C=0.1, degree=2</a:t>
+                      </a:r>
+                      <a:endParaRPr lang="en-US" sz="1400" dirty="0" smtClean="0"/>
+                    </a:p>
+                  </a:txBody>
+                  <a:tcPr/>
+                </a:tc>
+                <a:tc>
+                  <a:txBody>
+                    <a:bodyPr/>
+                    <a:lstStyle/>
+                    <a:p>
+                      <a:r>
+                        <a:rPr kumimoji="0" lang="nb-NO" sz="1400" kern="1200" dirty="0" smtClean="0">
+                          <a:solidFill>
+                            <a:schemeClr val="dk1"/>
+                          </a:solidFill>
+                          <a:latin typeface="+mn-lt"/>
+                          <a:ea typeface="+mn-ea"/>
+                          <a:cs typeface="+mn-cs"/>
+                        </a:rPr>
+                        <a:t>0.65855</a:t>
+                      </a:r>
+                      <a:endParaRPr lang="en-US" sz="1400" dirty="0"/>
+                    </a:p>
+                  </a:txBody>
+                  <a:tcPr/>
+                </a:tc>
+              </a:tr>
+              <a:tr h="460716">
+                <a:tc>
+                  <a:txBody>
+                    <a:bodyPr/>
+                    <a:lstStyle/>
+                    <a:p>
+                      <a:endParaRPr lang="en-US" sz="1400"/>
+                    </a:p>
+                  </a:txBody>
+                  <a:tcPr/>
+                </a:tc>
+                <a:tc>
+                  <a:txBody>
+                    <a:bodyPr/>
+                    <a:lstStyle/>
+                    <a:p>
+                      <a:pPr marL="0" marR="0" indent="0" algn="l" defTabSz="914400" rtl="0" eaLnBrk="1" fontAlgn="auto" latinLnBrk="0" hangingPunct="1">
+                        <a:lnSpc>
+                          <a:spcPct val="100000"/>
+                        </a:lnSpc>
+                        <a:spcBef>
+                          <a:spcPts val="0"/>
+                        </a:spcBef>
+                        <a:spcAft>
+                          <a:spcPts val="0"/>
+                        </a:spcAft>
+                        <a:buClrTx/>
+                        <a:buSzTx/>
+                        <a:buFontTx/>
+                        <a:buNone/>
+                        <a:tabLst/>
+                        <a:defRPr/>
+                      </a:pPr>
+                      <a:r>
+                        <a:rPr lang="en-US" sz="1400" dirty="0" err="1" smtClean="0"/>
+                        <a:t>cache_size</a:t>
+                      </a:r>
+                      <a:r>
+                        <a:rPr lang="en-US" sz="1400" dirty="0" smtClean="0"/>
+                        <a:t>=1000, kernel=‘linear,</a:t>
+                      </a:r>
+                      <a:r>
+                        <a:rPr lang="en-US" sz="1400" baseline="0" dirty="0" smtClean="0"/>
+                        <a:t> C=0.1, degree=3</a:t>
+                      </a:r>
+                      <a:endParaRPr lang="en-US" sz="1400" dirty="0" smtClean="0"/>
+                    </a:p>
+                  </a:txBody>
+                  <a:tcPr/>
+                </a:tc>
+                <a:tc>
+                  <a:txBody>
+                    <a:bodyPr/>
+                    <a:lstStyle/>
+                    <a:p>
+                      <a:r>
+                        <a:rPr kumimoji="0" lang="nb-NO" sz="1400" kern="1200" dirty="0" smtClean="0">
+                          <a:solidFill>
+                            <a:schemeClr val="dk1"/>
+                          </a:solidFill>
+                          <a:latin typeface="+mn-lt"/>
+                          <a:ea typeface="+mn-ea"/>
+                          <a:cs typeface="+mn-cs"/>
+                        </a:rPr>
+                        <a:t>0.65855</a:t>
+                      </a:r>
+                      <a:endParaRPr lang="en-US" sz="1400" dirty="0"/>
+                    </a:p>
+                  </a:txBody>
+                  <a:tcPr/>
+                </a:tc>
+              </a:tr>
+              <a:tr h="215705">
+                <a:tc>
+                  <a:txBody>
+                    <a:bodyPr/>
+                    <a:lstStyle/>
+                    <a:p>
+                      <a:endParaRPr lang="en-US" sz="1400" dirty="0"/>
+                    </a:p>
+                  </a:txBody>
+                  <a:tcPr/>
+                </a:tc>
+                <a:tc>
+                  <a:txBody>
+                    <a:bodyPr/>
+                    <a:lstStyle/>
+                    <a:p>
+                      <a:pPr marL="0" marR="0" indent="0" algn="l" defTabSz="914400" rtl="0" eaLnBrk="1" fontAlgn="auto" latinLnBrk="0" hangingPunct="1">
+                        <a:lnSpc>
+                          <a:spcPct val="100000"/>
+                        </a:lnSpc>
+                        <a:spcBef>
+                          <a:spcPts val="0"/>
+                        </a:spcBef>
+                        <a:spcAft>
+                          <a:spcPts val="0"/>
+                        </a:spcAft>
+                        <a:buClrTx/>
+                        <a:buSzTx/>
+                        <a:buFontTx/>
+                        <a:buNone/>
+                        <a:tabLst/>
+                        <a:defRPr/>
+                      </a:pPr>
+                      <a:r>
+                        <a:rPr lang="en-US" sz="1400" dirty="0" err="1" smtClean="0"/>
+                        <a:t>cache_size</a:t>
+                      </a:r>
+                      <a:r>
+                        <a:rPr lang="en-US" sz="1400" dirty="0" smtClean="0"/>
+                        <a:t>=1000, kernel=‘linear,</a:t>
+                      </a:r>
+                      <a:r>
+                        <a:rPr lang="en-US" sz="1400" baseline="0" dirty="0" smtClean="0"/>
+                        <a:t> C=1, degree=4</a:t>
+                      </a:r>
+                      <a:endParaRPr lang="en-US" sz="1400" dirty="0" smtClean="0"/>
+                    </a:p>
+                  </a:txBody>
+                  <a:tcPr/>
+                </a:tc>
+                <a:tc>
+                  <a:txBody>
+                    <a:bodyPr/>
+                    <a:lstStyle/>
+                    <a:p>
+                      <a:r>
+                        <a:rPr kumimoji="0" lang="nb-NO" sz="1400" kern="1200" dirty="0" smtClean="0">
+                          <a:solidFill>
+                            <a:schemeClr val="dk1"/>
+                          </a:solidFill>
+                          <a:latin typeface="+mn-lt"/>
+                          <a:ea typeface="+mn-ea"/>
+                          <a:cs typeface="+mn-cs"/>
+                        </a:rPr>
+                        <a:t>0.65855</a:t>
+                      </a:r>
+                      <a:endParaRPr lang="en-US" sz="1400" dirty="0"/>
+                    </a:p>
+                  </a:txBody>
+                  <a:tcPr/>
+                </a:tc>
+                <a:extLst>
+                  <a:ext uri="{0D108BD9-81ED-4DB2-BD59-A6C34878D82A}">
+                    <a16:rowId xmlns="" xmlns:a16="http://schemas.microsoft.com/office/drawing/2014/main" val="2386637827"/>
+                  </a:ext>
+                </a:extLst>
+              </a:tr>
+              <a:tr h="215705">
+                <a:tc>
+                  <a:txBody>
+                    <a:bodyPr/>
+                    <a:lstStyle/>
+                    <a:p>
+                      <a:endParaRPr lang="en-US"/>
+                    </a:p>
+                  </a:txBody>
+                  <a:tcPr/>
+                </a:tc>
+                <a:tc>
+                  <a:txBody>
+                    <a:bodyPr/>
+                    <a:lstStyle/>
+                    <a:p>
+                      <a:pPr marL="0" marR="0" lvl="0" indent="0" algn="l" defTabSz="914400" rtl="0" eaLnBrk="1" fontAlgn="auto" latinLnBrk="0" hangingPunct="1">
+                        <a:lnSpc>
+                          <a:spcPct val="100000"/>
+                        </a:lnSpc>
+                        <a:spcBef>
+                          <a:spcPts val="0"/>
+                        </a:spcBef>
+                        <a:spcAft>
+                          <a:spcPts val="0"/>
+                        </a:spcAft>
+                        <a:buClrTx/>
+                        <a:buSzTx/>
+                        <a:buFontTx/>
+                        <a:buNone/>
+                        <a:tabLst/>
+                        <a:defRPr/>
+                      </a:pPr>
+                      <a:r>
+                        <a:rPr kumimoji="0" lang="en-US" sz="1400" b="0" i="0" u="none" strike="noStrike" kern="1200" cap="none" spc="0" normalizeH="0" baseline="0" noProof="0" dirty="0" err="1" smtClean="0">
+                          <a:ln>
+                            <a:noFill/>
+                          </a:ln>
+                          <a:solidFill>
+                            <a:prstClr val="black"/>
+                          </a:solidFill>
+                          <a:effectLst/>
+                          <a:uLnTx/>
+                          <a:uFillTx/>
+                          <a:latin typeface="+mn-lt"/>
+                          <a:ea typeface="+mn-ea"/>
+                          <a:cs typeface="+mn-cs"/>
+                        </a:rPr>
+                        <a:t>cache_size</a:t>
+                      </a:r>
+                      <a:r>
+                        <a:rPr kumimoji="0" lang="en-US" sz="1400" b="0" i="0" u="none" strike="noStrike" kern="1200" cap="none" spc="0" normalizeH="0" baseline="0" noProof="0" dirty="0" smtClean="0">
+                          <a:ln>
+                            <a:noFill/>
+                          </a:ln>
+                          <a:solidFill>
+                            <a:prstClr val="black"/>
+                          </a:solidFill>
+                          <a:effectLst/>
+                          <a:uLnTx/>
+                          <a:uFillTx/>
+                          <a:latin typeface="+mn-lt"/>
+                          <a:ea typeface="+mn-ea"/>
+                          <a:cs typeface="+mn-cs"/>
+                        </a:rPr>
+                        <a:t>=1000, kernel=‘linear, C=1, degree=2</a:t>
+                      </a:r>
+                    </a:p>
+                  </a:txBody>
+                  <a:tcPr/>
+                </a:tc>
+                <a:tc>
+                  <a:txBody>
+                    <a:bodyPr/>
+                    <a:lstStyle/>
+                    <a:p>
+                      <a:r>
+                        <a:rPr kumimoji="0" lang="nb-NO" sz="1400" kern="1200" dirty="0" smtClean="0">
+                          <a:solidFill>
+                            <a:schemeClr val="dk1"/>
+                          </a:solidFill>
+                          <a:latin typeface="+mn-lt"/>
+                          <a:ea typeface="+mn-ea"/>
+                          <a:cs typeface="+mn-cs"/>
+                        </a:rPr>
+                        <a:t>0.65855</a:t>
+                      </a:r>
+                      <a:endParaRPr lang="en-US" dirty="0"/>
+                    </a:p>
+                  </a:txBody>
+                  <a:tcPr/>
+                </a:tc>
+                <a:extLst>
+                  <a:ext uri="{0D108BD9-81ED-4DB2-BD59-A6C34878D82A}">
+                    <a16:rowId xmlns="" xmlns:a16="http://schemas.microsoft.com/office/drawing/2014/main" val="2337513982"/>
+                  </a:ext>
+                </a:extLst>
+              </a:tr>
+            </a:tbl>
+          </a:graphicData>
+        </a:graphic>
+      </p:graphicFrame>
       <p:sp>
         <p:nvSpPr>
           <p:cNvPr id="4" name="Slide Number Placeholder 3"/>
@@ -4469,7 +6452,7 @@
     </p:spTree>
     <p:extLst>
       <p:ext uri="{BB962C8B-B14F-4D97-AF65-F5344CB8AC3E}">
-        <p14:creationId xmlns:p14="http://schemas.microsoft.com/office/powerpoint/2010/main" val="2877806282"/>
+        <p14:creationId xmlns:p14="http://schemas.microsoft.com/office/powerpoint/2010/main" val="1277991436"/>
       </p:ext>
     </p:extLst>
   </p:cSld>

--- a/project-presentation-template.pptx
+++ b/project-presentation-template.pptx
@@ -3494,7 +3494,11 @@
           <a:p>
             <a:r>
               <a:rPr lang="en-US" dirty="0" smtClean="0"/>
-              <a:t>If DV &lt; T, Label = 0</a:t>
+              <a:t>If DV &lt; T, Label = </a:t>
+            </a:r>
+            <a:r>
+              <a:rPr lang="en-US" b="1" dirty="0" smtClean="0"/>
+              <a:t>0</a:t>
             </a:r>
           </a:p>
           <a:p>
@@ -3508,7 +3512,11 @@
             </a:r>
             <a:r>
               <a:rPr lang="en-US" dirty="0" smtClean="0"/>
-              <a:t> = 1</a:t>
+              <a:t> = </a:t>
+            </a:r>
+            <a:r>
+              <a:rPr lang="en-US" b="1" dirty="0" smtClean="0"/>
+              <a:t>1</a:t>
             </a:r>
           </a:p>
           <a:p>
@@ -3606,14 +3614,53 @@
         <p:spPr/>
         <p:txBody>
           <a:bodyPr>
-            <a:normAutofit lnSpcReduction="10000"/>
+            <a:normAutofit fontScale="77500" lnSpcReduction="20000"/>
           </a:bodyPr>
           <a:lstStyle/>
           <a:p>
             <a:r>
-              <a:rPr lang="en-US" dirty="0"/>
-              <a:t>&lt;Discuss a few interesting cases. Use extra slides if needed. Use images if needed. Here is an example.&gt;</a:t>
-            </a:r>
+              <a:rPr lang="en-US" dirty="0" smtClean="0"/>
+              <a:t>There are certain instances of features where you can directly tell by looking at the Primary Type and Arrest, whether that district is safe or unsafe. </a:t>
+            </a:r>
+          </a:p>
+          <a:p>
+            <a:r>
+              <a:rPr lang="en-US" dirty="0" smtClean="0"/>
+              <a:t>For example, </a:t>
+            </a:r>
+          </a:p>
+          <a:p>
+            <a:pPr lvl="1"/>
+            <a:r>
+              <a:rPr lang="en-US" dirty="0" smtClean="0"/>
+              <a:t>When Primary Type = Homicide</a:t>
+            </a:r>
+          </a:p>
+          <a:p>
+            <a:pPr lvl="1"/>
+            <a:r>
+              <a:rPr lang="en-US" dirty="0" smtClean="0"/>
+              <a:t>And Arrest = False</a:t>
+            </a:r>
+          </a:p>
+          <a:p>
+            <a:pPr lvl="1"/>
+            <a:r>
+              <a:rPr lang="en-US" dirty="0" smtClean="0"/>
+              <a:t>Homicide has been given a weightage of ‘4’ on the severity.</a:t>
+            </a:r>
+          </a:p>
+          <a:p>
+            <a:pPr lvl="1"/>
+            <a:r>
+              <a:rPr lang="en-US" dirty="0" smtClean="0"/>
+              <a:t>So one can directly tell that for a district at particular time there is a severe crime committed and no arrest has been made i.e. the criminal is still a fugitive</a:t>
+            </a:r>
+            <a:r>
+              <a:rPr lang="en-US" smtClean="0"/>
+              <a:t>, making that district unsafe.</a:t>
+            </a:r>
+            <a:endParaRPr lang="en-US" dirty="0"/>
           </a:p>
           <a:p>
             <a:r>

--- a/project-presentation-template.pptx
+++ b/project-presentation-template.pptx
@@ -5,10 +5,10 @@
     <p:sldMasterId id="2147483672" r:id="rId1"/>
   </p:sldMasterIdLst>
   <p:notesMasterIdLst>
-    <p:notesMasterId r:id="rId14"/>
+    <p:notesMasterId r:id="rId15"/>
   </p:notesMasterIdLst>
   <p:handoutMasterIdLst>
-    <p:handoutMasterId r:id="rId15"/>
+    <p:handoutMasterId r:id="rId16"/>
   </p:handoutMasterIdLst>
   <p:sldIdLst>
     <p:sldId id="328" r:id="rId2"/>
@@ -23,6 +23,7 @@
     <p:sldId id="339" r:id="rId11"/>
     <p:sldId id="335" r:id="rId12"/>
     <p:sldId id="336" r:id="rId13"/>
+    <p:sldId id="340" r:id="rId14"/>
   </p:sldIdLst>
   <p:sldSz cx="9144000" cy="6858000" type="screen4x3"/>
   <p:notesSz cx="6858000" cy="9144000"/>
@@ -2694,14 +2695,26 @@
         </p:spPr>
         <p:txBody>
           <a:bodyPr>
-            <a:normAutofit fontScale="92500" lnSpcReduction="10000"/>
+            <a:normAutofit fontScale="70000" lnSpcReduction="20000"/>
           </a:bodyPr>
           <a:lstStyle/>
           <a:p>
             <a:pPr lvl="0" algn="ctr"/>
             <a:r>
-              <a:rPr lang="en-US" cap="none" dirty="0" smtClean="0"/>
-              <a:t>&lt;Project Title&gt;</a:t>
+              <a:rPr lang="en-US" u="sng" dirty="0" smtClean="0"/>
+              <a:t>SAFETY </a:t>
+            </a:r>
+            <a:r>
+              <a:rPr lang="en-US" u="sng" dirty="0"/>
+              <a:t>PREDICTION IN VARIOUS DISTRICTS </a:t>
+            </a:r>
+            <a:r>
+              <a:rPr lang="en-US" u="sng"/>
+              <a:t>OF </a:t>
+            </a:r>
+            <a:r>
+              <a:rPr lang="en-US" u="sng" smtClean="0"/>
+              <a:t>CHICAGO AT A GIVEN TIME</a:t>
             </a:r>
             <a:endParaRPr lang="en-US" cap="none" dirty="0"/>
           </a:p>
@@ -3589,7 +3602,12 @@
             <p:ph type="title"/>
           </p:nvPr>
         </p:nvSpPr>
-        <p:spPr/>
+        <p:spPr>
+          <a:xfrm>
+            <a:off x="457200" y="274638"/>
+            <a:ext cx="7467600" cy="792162"/>
+          </a:xfrm>
+        </p:spPr>
         <p:txBody>
           <a:bodyPr/>
           <a:lstStyle/>
@@ -3611,62 +3629,119 @@
             <p:ph sz="quarter" idx="1"/>
           </p:nvPr>
         </p:nvSpPr>
-        <p:spPr/>
+        <p:spPr>
+          <a:xfrm>
+            <a:off x="457200" y="1066800"/>
+            <a:ext cx="7467600" cy="5407152"/>
+          </a:xfrm>
+        </p:spPr>
         <p:txBody>
           <a:bodyPr>
-            <a:normAutofit fontScale="77500" lnSpcReduction="20000"/>
+            <a:normAutofit fontScale="47500" lnSpcReduction="20000"/>
           </a:bodyPr>
           <a:lstStyle/>
           <a:p>
-            <a:r>
-              <a:rPr lang="en-US" dirty="0" smtClean="0"/>
+            <a:endParaRPr lang="en-US" dirty="0" smtClean="0"/>
+          </a:p>
+          <a:p>
+            <a:endParaRPr lang="en-US" dirty="0" smtClean="0"/>
+          </a:p>
+          <a:p>
+            <a:endParaRPr lang="en-US" dirty="0"/>
+          </a:p>
+          <a:p>
+            <a:endParaRPr lang="en-US" dirty="0" smtClean="0"/>
+          </a:p>
+          <a:p>
+            <a:endParaRPr lang="en-US" dirty="0"/>
+          </a:p>
+          <a:p>
+            <a:endParaRPr lang="en-US" dirty="0" smtClean="0"/>
+          </a:p>
+          <a:p>
+            <a:endParaRPr lang="en-US" dirty="0" smtClean="0"/>
+          </a:p>
+          <a:p>
+            <a:r>
+              <a:rPr lang="en-US" sz="2800" dirty="0" smtClean="0"/>
               <a:t>There are certain instances of features where you can directly tell by looking at the Primary Type and Arrest, whether that district is safe or unsafe. </a:t>
             </a:r>
           </a:p>
           <a:p>
             <a:r>
-              <a:rPr lang="en-US" dirty="0" smtClean="0"/>
+              <a:rPr lang="en-US" sz="2800" dirty="0" smtClean="0"/>
               <a:t>For example, </a:t>
             </a:r>
           </a:p>
           <a:p>
             <a:pPr lvl="1"/>
             <a:r>
-              <a:rPr lang="en-US" dirty="0" smtClean="0"/>
+              <a:rPr lang="en-US" sz="2300" dirty="0" smtClean="0"/>
               <a:t>When Primary Type = Homicide</a:t>
             </a:r>
           </a:p>
           <a:p>
             <a:pPr lvl="1"/>
             <a:r>
-              <a:rPr lang="en-US" dirty="0" smtClean="0"/>
+              <a:rPr lang="en-US" sz="2300" dirty="0" smtClean="0"/>
               <a:t>And Arrest = False</a:t>
             </a:r>
           </a:p>
           <a:p>
             <a:pPr lvl="1"/>
             <a:r>
-              <a:rPr lang="en-US" dirty="0" smtClean="0"/>
-              <a:t>Homicide has been given a weightage of ‘4’ on the severity.</a:t>
+              <a:rPr lang="en-US" sz="2300" dirty="0" smtClean="0"/>
+              <a:t>Homicide has been given a weightage of ‘3’ on the severity.</a:t>
             </a:r>
           </a:p>
           <a:p>
             <a:pPr lvl="1"/>
             <a:r>
-              <a:rPr lang="en-US" dirty="0" smtClean="0"/>
-              <a:t>So one can directly tell that for a district at particular time there is a severe crime committed and no arrest has been made i.e. the criminal is still a fugitive</a:t>
-            </a:r>
-            <a:r>
-              <a:rPr lang="en-US" smtClean="0"/>
-              <a:t>, making that district unsafe.</a:t>
+              <a:rPr lang="en-US" sz="2300" dirty="0" smtClean="0"/>
+              <a:t>So one can directly tell that for a district at particular time there is a severe crime committed and no arrest has been made i.e. the criminal is still a fugitive, making that district unsafe i.e. Label = 1.</a:t>
+            </a:r>
+          </a:p>
+          <a:p>
+            <a:pPr lvl="1"/>
+            <a:r>
+              <a:rPr lang="en-US" sz="2300" dirty="0" smtClean="0"/>
+              <a:t>And looking at the above screenshot I can see that my </a:t>
+            </a:r>
+            <a:r>
+              <a:rPr lang="en-US" sz="2300" b="1" dirty="0" smtClean="0"/>
+              <a:t>estimation is correct</a:t>
+            </a:r>
+            <a:r>
+              <a:rPr lang="en-US" sz="2300" dirty="0" smtClean="0"/>
+              <a:t>, the model also gave the same output.</a:t>
+            </a:r>
+          </a:p>
+          <a:p>
+            <a:r>
+              <a:rPr lang="en-US" sz="2800" dirty="0" smtClean="0"/>
+              <a:t>The </a:t>
+            </a:r>
+            <a:r>
+              <a:rPr lang="en-US" sz="2800" dirty="0"/>
+              <a:t>Accuracy for Decision Tree Classifier is </a:t>
+            </a:r>
+            <a:r>
+              <a:rPr lang="en-US" sz="2800" b="1" dirty="0"/>
+              <a:t>0.99976</a:t>
+            </a:r>
+            <a:r>
+              <a:rPr lang="en-US" sz="2800" dirty="0"/>
+              <a:t>, which is almost 100%. Such high accuracy is due to the fact that the dataset is very large and the target has binary values. The target variable in our dataset has roughly 60% and 40% negative classes respectively, thus it is a balanced dataset. When we train a decision tree to classify this data, we get an overall accuracy of 99.97% (~100%). Hence we </a:t>
+            </a:r>
+            <a:r>
+              <a:rPr lang="en-US" sz="2800" dirty="0" smtClean="0"/>
+              <a:t>have ignored </a:t>
+            </a:r>
+            <a:r>
+              <a:rPr lang="en-US" sz="2800" dirty="0"/>
+              <a:t>this classification model.</a:t>
             </a:r>
             <a:endParaRPr lang="en-US" dirty="0"/>
-          </a:p>
-          <a:p>
-            <a:r>
-              <a:rPr lang="en-US" dirty="0"/>
-              <a:t>Here is a user who tweeted “…”. The user is definitely a Republican, as you can see from the tweet, but my model classified the user as Democrat. The reason is that my model used bag-of-words model and did not take linguistic features into account, because the user used terms that mostly Democrats use, but used in a negative way…</a:t>
-            </a:r>
           </a:p>
         </p:txBody>
       </p:sp>
@@ -3695,10 +3770,179 @@
           </a:p>
         </p:txBody>
       </p:sp>
+      <p:pic>
+        <p:nvPicPr>
+          <p:cNvPr id="5" name="Picture 4"/>
+          <p:cNvPicPr>
+            <a:picLocks noChangeAspect="1"/>
+          </p:cNvPicPr>
+          <p:nvPr/>
+        </p:nvPicPr>
+        <p:blipFill>
+          <a:blip r:embed="rId2">
+            <a:extLst>
+              <a:ext uri="{28A0092B-C50C-407E-A947-70E740481C1C}">
+                <a14:useLocalDpi xmlns:a14="http://schemas.microsoft.com/office/drawing/2010/main" val="0"/>
+              </a:ext>
+            </a:extLst>
+          </a:blip>
+          <a:stretch>
+            <a:fillRect/>
+          </a:stretch>
+        </p:blipFill>
+        <p:spPr>
+          <a:xfrm>
+            <a:off x="838200" y="1143000"/>
+            <a:ext cx="4022811" cy="1547235"/>
+          </a:xfrm>
+          <a:prstGeom prst="rect">
+            <a:avLst/>
+          </a:prstGeom>
+        </p:spPr>
+      </p:pic>
     </p:spTree>
     <p:extLst>
       <p:ext uri="{BB962C8B-B14F-4D97-AF65-F5344CB8AC3E}">
         <p14:creationId xmlns:p14="http://schemas.microsoft.com/office/powerpoint/2010/main" val="3053513882"/>
+      </p:ext>
+    </p:extLst>
+  </p:cSld>
+  <p:clrMapOvr>
+    <a:masterClrMapping/>
+  </p:clrMapOvr>
+</p:sld>
+</file>
+
+<file path=ppt/slides/slide13.xml><?xml version="1.0" encoding="utf-8"?>
+<p:sld xmlns:a="http://schemas.openxmlformats.org/drawingml/2006/main" xmlns:r="http://schemas.openxmlformats.org/officeDocument/2006/relationships" xmlns:p="http://schemas.openxmlformats.org/presentationml/2006/main">
+  <p:cSld>
+    <p:spTree>
+      <p:nvGrpSpPr>
+        <p:cNvPr id="1" name=""/>
+        <p:cNvGrpSpPr/>
+        <p:nvPr/>
+      </p:nvGrpSpPr>
+      <p:grpSpPr>
+        <a:xfrm>
+          <a:off x="0" y="0"/>
+          <a:ext cx="0" cy="0"/>
+          <a:chOff x="0" y="0"/>
+          <a:chExt cx="0" cy="0"/>
+        </a:xfrm>
+      </p:grpSpPr>
+      <p:sp>
+        <p:nvSpPr>
+          <p:cNvPr id="2" name="Title 1"/>
+          <p:cNvSpPr>
+            <a:spLocks noGrp="1"/>
+          </p:cNvSpPr>
+          <p:nvPr>
+            <p:ph type="title"/>
+          </p:nvPr>
+        </p:nvSpPr>
+        <p:spPr/>
+        <p:txBody>
+          <a:bodyPr/>
+          <a:lstStyle/>
+          <a:p>
+            <a:r>
+              <a:rPr lang="en-US" dirty="0"/>
+              <a:t>Interesting/unexpected cases</a:t>
+            </a:r>
+          </a:p>
+        </p:txBody>
+      </p:sp>
+      <p:sp>
+        <p:nvSpPr>
+          <p:cNvPr id="3" name="Content Placeholder 2"/>
+          <p:cNvSpPr>
+            <a:spLocks noGrp="1"/>
+          </p:cNvSpPr>
+          <p:nvPr>
+            <p:ph sz="quarter" idx="1"/>
+          </p:nvPr>
+        </p:nvSpPr>
+        <p:spPr/>
+        <p:txBody>
+          <a:bodyPr>
+            <a:normAutofit/>
+          </a:bodyPr>
+          <a:lstStyle/>
+          <a:p>
+            <a:r>
+              <a:rPr lang="en-US" dirty="0" smtClean="0"/>
+              <a:t>We have noticed that neural </a:t>
+            </a:r>
+            <a:r>
+              <a:rPr lang="en-US" dirty="0"/>
+              <a:t>network and deep learning related </a:t>
+            </a:r>
+            <a:r>
+              <a:rPr lang="en-US" dirty="0" smtClean="0"/>
+              <a:t>models like MLPC and SVM takes </a:t>
+            </a:r>
+            <a:r>
+              <a:rPr lang="en-US" dirty="0"/>
+              <a:t>a lot of time on huge </a:t>
+            </a:r>
+            <a:r>
+              <a:rPr lang="en-US" dirty="0" smtClean="0"/>
+              <a:t>datasets.</a:t>
+            </a:r>
+          </a:p>
+          <a:p>
+            <a:pPr lvl="1"/>
+            <a:r>
+              <a:rPr lang="en-US" dirty="0" smtClean="0"/>
+              <a:t>SVM </a:t>
+            </a:r>
+            <a:r>
+              <a:rPr lang="en-US" dirty="0"/>
+              <a:t>solves an optimization problem of quadratic </a:t>
+            </a:r>
+            <a:r>
+              <a:rPr lang="en-US" dirty="0" smtClean="0"/>
+              <a:t>order.</a:t>
+            </a:r>
+          </a:p>
+          <a:p>
+            <a:pPr lvl="1"/>
+            <a:r>
+              <a:rPr lang="en-US" dirty="0" smtClean="0"/>
+              <a:t>Hence we have sampled our data uniformly, so as to reduce our dataset to a feasible size (~11,760 records). </a:t>
+            </a:r>
+          </a:p>
+        </p:txBody>
+      </p:sp>
+      <p:sp>
+        <p:nvSpPr>
+          <p:cNvPr id="4" name="Slide Number Placeholder 3"/>
+          <p:cNvSpPr>
+            <a:spLocks noGrp="1"/>
+          </p:cNvSpPr>
+          <p:nvPr>
+            <p:ph type="sldNum" sz="quarter" idx="15"/>
+          </p:nvPr>
+        </p:nvSpPr>
+        <p:spPr/>
+        <p:txBody>
+          <a:bodyPr/>
+          <a:lstStyle/>
+          <a:p>
+            <a:pPr algn="ctr" eaLnBrk="1" latinLnBrk="0" hangingPunct="1"/>
+            <a:fld id="{2BBB5E19-F10A-4C2F-BF6F-11C513378A2E}" type="slidenum">
+              <a:rPr kumimoji="0" lang="en-US" smtClean="0"/>
+              <a:pPr algn="ctr" eaLnBrk="1" latinLnBrk="0" hangingPunct="1"/>
+              <a:t>13</a:t>
+            </a:fld>
+            <a:endParaRPr kumimoji="0" lang="en-US"/>
+          </a:p>
+        </p:txBody>
+      </p:sp>
+    </p:spTree>
+    <p:extLst>
+      <p:ext uri="{BB962C8B-B14F-4D97-AF65-F5344CB8AC3E}">
+        <p14:creationId xmlns:p14="http://schemas.microsoft.com/office/powerpoint/2010/main" val="664574779"/>
       </p:ext>
     </p:extLst>
   </p:cSld>
